--- a/Ch10/Ch10.PPTX
+++ b/Ch10/Ch10.PPTX
@@ -5,7 +5,7 @@
     <p:sldMasterId id="2147483857" r:id="rId1"/>
   </p:sldMasterIdLst>
   <p:notesMasterIdLst>
-    <p:notesMasterId r:id="rId29"/>
+    <p:notesMasterId r:id="rId28"/>
   </p:notesMasterIdLst>
   <p:sldIdLst>
     <p:sldId id="256" r:id="rId2"/>
@@ -21,20 +21,19 @@
     <p:sldId id="267" r:id="rId12"/>
     <p:sldId id="290" r:id="rId13"/>
     <p:sldId id="266" r:id="rId14"/>
-    <p:sldId id="298" r:id="rId15"/>
-    <p:sldId id="292" r:id="rId16"/>
-    <p:sldId id="328" r:id="rId17"/>
-    <p:sldId id="375" r:id="rId18"/>
-    <p:sldId id="323" r:id="rId19"/>
-    <p:sldId id="324" r:id="rId20"/>
-    <p:sldId id="326" r:id="rId21"/>
-    <p:sldId id="376" r:id="rId22"/>
-    <p:sldId id="377" r:id="rId23"/>
-    <p:sldId id="379" r:id="rId24"/>
-    <p:sldId id="378" r:id="rId25"/>
-    <p:sldId id="380" r:id="rId26"/>
-    <p:sldId id="381" r:id="rId27"/>
-    <p:sldId id="286" r:id="rId28"/>
+    <p:sldId id="292" r:id="rId15"/>
+    <p:sldId id="328" r:id="rId16"/>
+    <p:sldId id="375" r:id="rId17"/>
+    <p:sldId id="323" r:id="rId18"/>
+    <p:sldId id="324" r:id="rId19"/>
+    <p:sldId id="326" r:id="rId20"/>
+    <p:sldId id="376" r:id="rId21"/>
+    <p:sldId id="377" r:id="rId22"/>
+    <p:sldId id="379" r:id="rId23"/>
+    <p:sldId id="378" r:id="rId24"/>
+    <p:sldId id="380" r:id="rId25"/>
+    <p:sldId id="381" r:id="rId26"/>
+    <p:sldId id="286" r:id="rId27"/>
   </p:sldIdLst>
   <p:sldSz cx="12192000" cy="6858000"/>
   <p:notesSz cx="6858000" cy="9144000"/>
@@ -223,7 +222,7 @@
           <a:p>
             <a:fld id="{1D69141D-405F-4B53-9ED9-F5E6B9ACF4CF}" type="datetimeFigureOut">
               <a:rPr lang="en-US" smtClean="0"/>
-              <a:t>12/7/2024</a:t>
+              <a:t>12/23/2024</a:t>
             </a:fld>
             <a:endParaRPr lang="en-US"/>
           </a:p>
@@ -781,203 +780,6 @@
     </p:spTree>
     <p:extLst>
       <p:ext uri="{BB962C8B-B14F-4D97-AF65-F5344CB8AC3E}">
-        <p14:creationId xmlns:p14="http://schemas.microsoft.com/office/powerpoint/2010/main" val="342796817"/>
-      </p:ext>
-    </p:extLst>
-  </p:cSld>
-  <p:clrMapOvr>
-    <a:masterClrMapping/>
-  </p:clrMapOvr>
-</p:notes>
-</file>
-
-<file path=ppt/notesSlides/notesSlide11.xml><?xml version="1.0" encoding="utf-8"?>
-<p:notes xmlns:a="http://schemas.openxmlformats.org/drawingml/2006/main" xmlns:r="http://schemas.openxmlformats.org/officeDocument/2006/relationships" xmlns:p="http://schemas.openxmlformats.org/presentationml/2006/main" showMasterSp="0" showMasterPhAnim="0">
-  <p:cSld>
-    <p:spTree>
-      <p:nvGrpSpPr>
-        <p:cNvPr id="1" name="Shape 5974"/>
-        <p:cNvGrpSpPr/>
-        <p:nvPr/>
-      </p:nvGrpSpPr>
-      <p:grpSpPr>
-        <a:xfrm>
-          <a:off x="0" y="0"/>
-          <a:ext cx="0" cy="0"/>
-          <a:chOff x="0" y="0"/>
-          <a:chExt cx="0" cy="0"/>
-        </a:xfrm>
-      </p:grpSpPr>
-      <p:sp>
-        <p:nvSpPr>
-          <p:cNvPr id="5975" name="Google Shape;5975;gc69d1e7c39_0_11063:notes"/>
-          <p:cNvSpPr>
-            <a:spLocks noGrp="1" noRot="1" noChangeAspect="1"/>
-          </p:cNvSpPr>
-          <p:nvPr>
-            <p:ph type="sldImg" idx="2"/>
-          </p:nvPr>
-        </p:nvSpPr>
-        <p:spPr>
-          <a:xfrm>
-            <a:off x="381000" y="685800"/>
-            <a:ext cx="6096000" cy="3429000"/>
-          </a:xfrm>
-          <a:custGeom>
-            <a:avLst/>
-            <a:gdLst/>
-            <a:ahLst/>
-            <a:cxnLst/>
-            <a:rect l="l" t="t" r="r" b="b"/>
-            <a:pathLst>
-              <a:path w="120000" h="120000" extrusionOk="0">
-                <a:moveTo>
-                  <a:pt x="0" y="0"/>
-                </a:moveTo>
-                <a:lnTo>
-                  <a:pt x="120000" y="0"/>
-                </a:lnTo>
-                <a:lnTo>
-                  <a:pt x="120000" y="120000"/>
-                </a:lnTo>
-                <a:lnTo>
-                  <a:pt x="0" y="120000"/>
-                </a:lnTo>
-                <a:close/>
-              </a:path>
-            </a:pathLst>
-          </a:custGeom>
-        </p:spPr>
-      </p:sp>
-      <p:sp>
-        <p:nvSpPr>
-          <p:cNvPr id="5976" name="Google Shape;5976;gc69d1e7c39_0_11063:notes"/>
-          <p:cNvSpPr txBox="1">
-            <a:spLocks noGrp="1"/>
-          </p:cNvSpPr>
-          <p:nvPr>
-            <p:ph type="body" idx="1"/>
-          </p:nvPr>
-        </p:nvSpPr>
-        <p:spPr>
-          <a:xfrm>
-            <a:off x="685800" y="4343400"/>
-            <a:ext cx="5486400" cy="4114800"/>
-          </a:xfrm>
-          <a:prstGeom prst="rect">
-            <a:avLst/>
-          </a:prstGeom>
-        </p:spPr>
-        <p:txBody>
-          <a:bodyPr spcFirstLastPara="1" wrap="square" lIns="91425" tIns="91425" rIns="91425" bIns="91425" anchor="t" anchorCtr="0">
-            <a:noAutofit/>
-          </a:bodyPr>
-          <a:lstStyle/>
-          <a:p>
-            <a:pPr marL="0" lvl="0" indent="0" algn="l" rtl="0">
-              <a:spcBef>
-                <a:spcPts val="0"/>
-              </a:spcBef>
-              <a:spcAft>
-                <a:spcPts val="0"/>
-              </a:spcAft>
-              <a:buClr>
-                <a:schemeClr val="dk1"/>
-              </a:buClr>
-              <a:buSzPts val="1100"/>
-              <a:buFont typeface="Arial"/>
-              <a:buNone/>
-            </a:pPr>
-            <a:r>
-              <a:rPr lang="en" b="1">
-                <a:solidFill>
-                  <a:schemeClr val="dk1"/>
-                </a:solidFill>
-              </a:rPr>
-              <a:t>1.2</a:t>
-            </a:r>
-            <a:endParaRPr b="1">
-              <a:solidFill>
-                <a:schemeClr val="dk1"/>
-              </a:solidFill>
-            </a:endParaRPr>
-          </a:p>
-          <a:p>
-            <a:pPr marL="0" lvl="0" indent="0" algn="l" rtl="0">
-              <a:spcBef>
-                <a:spcPts val="0"/>
-              </a:spcBef>
-              <a:spcAft>
-                <a:spcPts val="0"/>
-              </a:spcAft>
-              <a:buClr>
-                <a:schemeClr val="dk1"/>
-              </a:buClr>
-              <a:buSzPts val="1100"/>
-              <a:buFont typeface="Arial"/>
-              <a:buNone/>
-            </a:pPr>
-            <a:endParaRPr b="1">
-              <a:solidFill>
-                <a:schemeClr val="dk1"/>
-              </a:solidFill>
-            </a:endParaRPr>
-          </a:p>
-          <a:p>
-            <a:pPr marL="0" lvl="0" indent="0" algn="l" rtl="0">
-              <a:spcBef>
-                <a:spcPts val="0"/>
-              </a:spcBef>
-              <a:spcAft>
-                <a:spcPts val="0"/>
-              </a:spcAft>
-              <a:buClr>
-                <a:schemeClr val="dk1"/>
-              </a:buClr>
-              <a:buSzPts val="1100"/>
-              <a:buFont typeface="Arial"/>
-              <a:buNone/>
-            </a:pPr>
-            <a:endParaRPr b="1">
-              <a:solidFill>
-                <a:schemeClr val="dk1"/>
-              </a:solidFill>
-            </a:endParaRPr>
-          </a:p>
-          <a:p>
-            <a:pPr marL="0" lvl="0" indent="0" algn="l" rtl="0">
-              <a:spcBef>
-                <a:spcPts val="0"/>
-              </a:spcBef>
-              <a:spcAft>
-                <a:spcPts val="0"/>
-              </a:spcAft>
-              <a:buClr>
-                <a:schemeClr val="dk1"/>
-              </a:buClr>
-              <a:buSzPts val="1100"/>
-              <a:buFont typeface="Arial"/>
-              <a:buNone/>
-            </a:pPr>
-            <a:r>
-              <a:rPr lang="en" b="1">
-                <a:solidFill>
-                  <a:srgbClr val="FF0000"/>
-                </a:solidFill>
-              </a:rPr>
-              <a:t> </a:t>
-            </a:r>
-            <a:endParaRPr b="1">
-              <a:solidFill>
-                <a:srgbClr val="FF0000"/>
-              </a:solidFill>
-            </a:endParaRPr>
-          </a:p>
-        </p:txBody>
-      </p:sp>
-    </p:spTree>
-    <p:extLst>
-      <p:ext uri="{BB962C8B-B14F-4D97-AF65-F5344CB8AC3E}">
         <p14:creationId xmlns:p14="http://schemas.microsoft.com/office/powerpoint/2010/main" val="424218610"/>
       </p:ext>
     </p:extLst>
@@ -1570,11 +1372,11 @@
 </file>
 
 <file path=ppt/notesSlides/notesSlide6.xml><?xml version="1.0" encoding="utf-8"?>
-<p:notes xmlns:a="http://schemas.openxmlformats.org/drawingml/2006/main" xmlns:r="http://schemas.openxmlformats.org/officeDocument/2006/relationships" xmlns:p="http://schemas.openxmlformats.org/presentationml/2006/main" showMasterSp="0" showMasterPhAnim="0">
+<p:notes xmlns:a="http://schemas.openxmlformats.org/drawingml/2006/main" xmlns:r="http://schemas.openxmlformats.org/officeDocument/2006/relationships" xmlns:p="http://schemas.openxmlformats.org/presentationml/2006/main">
   <p:cSld>
     <p:spTree>
       <p:nvGrpSpPr>
-        <p:cNvPr id="1" name="Shape 6075"/>
+        <p:cNvPr id="1" name=""/>
         <p:cNvGrpSpPr/>
         <p:nvPr/>
       </p:nvGrpSpPr>
@@ -1588,7 +1390,97 @@
       </p:grpSpPr>
       <p:sp>
         <p:nvSpPr>
-          <p:cNvPr id="6076" name="Google Shape;6076;gc69d1e7c39_0_11086:notes"/>
+          <p:cNvPr id="2" name="Slide Image Placeholder 1"/>
+          <p:cNvSpPr>
+            <a:spLocks noGrp="1" noRot="1" noChangeAspect="1"/>
+          </p:cNvSpPr>
+          <p:nvPr>
+            <p:ph type="sldImg"/>
+          </p:nvPr>
+        </p:nvSpPr>
+        <p:spPr/>
+      </p:sp>
+      <p:sp>
+        <p:nvSpPr>
+          <p:cNvPr id="3" name="Notes Placeholder 2"/>
+          <p:cNvSpPr>
+            <a:spLocks noGrp="1"/>
+          </p:cNvSpPr>
+          <p:nvPr>
+            <p:ph type="body" idx="1"/>
+          </p:nvPr>
+        </p:nvSpPr>
+        <p:spPr/>
+        <p:txBody>
+          <a:bodyPr/>
+          <a:lstStyle/>
+          <a:p>
+            <a:r>
+              <a:rPr lang="en-US" dirty="0"/>
+              <a:t>https://charts.powerbi.tips/</a:t>
+            </a:r>
+          </a:p>
+          <a:p>
+            <a:endParaRPr lang="en-US" dirty="0"/>
+          </a:p>
+        </p:txBody>
+      </p:sp>
+      <p:sp>
+        <p:nvSpPr>
+          <p:cNvPr id="4" name="Slide Number Placeholder 3"/>
+          <p:cNvSpPr>
+            <a:spLocks noGrp="1"/>
+          </p:cNvSpPr>
+          <p:nvPr>
+            <p:ph type="sldNum" sz="quarter" idx="5"/>
+          </p:nvPr>
+        </p:nvSpPr>
+        <p:spPr/>
+        <p:txBody>
+          <a:bodyPr/>
+          <a:lstStyle/>
+          <a:p>
+            <a:fld id="{A37C8F5E-759F-436F-8A80-239E61BF6BDC}" type="slidenum">
+              <a:rPr lang="en-US" smtClean="0"/>
+              <a:t>16</a:t>
+            </a:fld>
+            <a:endParaRPr lang="en-US"/>
+          </a:p>
+        </p:txBody>
+      </p:sp>
+    </p:spTree>
+    <p:extLst>
+      <p:ext uri="{BB962C8B-B14F-4D97-AF65-F5344CB8AC3E}">
+        <p14:creationId xmlns:p14="http://schemas.microsoft.com/office/powerpoint/2010/main" val="2282231010"/>
+      </p:ext>
+    </p:extLst>
+  </p:cSld>
+  <p:clrMapOvr>
+    <a:masterClrMapping/>
+  </p:clrMapOvr>
+</p:notes>
+</file>
+
+<file path=ppt/notesSlides/notesSlide7.xml><?xml version="1.0" encoding="utf-8"?>
+<p:notes xmlns:a="http://schemas.openxmlformats.org/drawingml/2006/main" xmlns:r="http://schemas.openxmlformats.org/officeDocument/2006/relationships" xmlns:p="http://schemas.openxmlformats.org/presentationml/2006/main" showMasterSp="0" showMasterPhAnim="0">
+  <p:cSld>
+    <p:spTree>
+      <p:nvGrpSpPr>
+        <p:cNvPr id="1" name="Shape 5974"/>
+        <p:cNvGrpSpPr/>
+        <p:nvPr/>
+      </p:nvGrpSpPr>
+      <p:grpSpPr>
+        <a:xfrm>
+          <a:off x="0" y="0"/>
+          <a:ext cx="0" cy="0"/>
+          <a:chOff x="0" y="0"/>
+          <a:chExt cx="0" cy="0"/>
+        </a:xfrm>
+      </p:grpSpPr>
+      <p:sp>
+        <p:nvSpPr>
+          <p:cNvPr id="5975" name="Google Shape;5975;gc69d1e7c39_0_11063:notes"/>
           <p:cNvSpPr>
             <a:spLocks noGrp="1" noRot="1" noChangeAspect="1"/>
           </p:cNvSpPr>
@@ -1629,7 +1521,7 @@
       </p:sp>
       <p:sp>
         <p:nvSpPr>
-          <p:cNvPr id="6077" name="Google Shape;6077;gc69d1e7c39_0_11086:notes"/>
+          <p:cNvPr id="5976" name="Google Shape;5976;gc69d1e7c39_0_11063:notes"/>
           <p:cNvSpPr txBox="1">
             <a:spLocks noGrp="1"/>
           </p:cNvSpPr>
@@ -1669,14 +1561,14 @@
             <a:r>
               <a:rPr lang="en" b="1">
                 <a:solidFill>
-                  <a:srgbClr val="24292E"/>
+                  <a:schemeClr val="dk1"/>
                 </a:solidFill>
               </a:rPr>
-              <a:t>2.2</a:t>
+              <a:t>1.2</a:t>
             </a:r>
             <a:endParaRPr b="1">
               <a:solidFill>
-                <a:srgbClr val="24292E"/>
+                <a:schemeClr val="dk1"/>
               </a:solidFill>
             </a:endParaRPr>
           </a:p>
@@ -1737,597 +1629,17 @@
               <a:buFont typeface="Arial"/>
               <a:buNone/>
             </a:pPr>
+            <a:r>
+              <a:rPr lang="en" b="1">
+                <a:solidFill>
+                  <a:srgbClr val="FF0000"/>
+                </a:solidFill>
+              </a:rPr>
+              <a:t> </a:t>
+            </a:r>
             <a:endParaRPr b="1">
               <a:solidFill>
-                <a:schemeClr val="dk1"/>
-              </a:solidFill>
-            </a:endParaRPr>
-          </a:p>
-          <a:p>
-            <a:pPr marL="457200" lvl="0" indent="0" algn="l" rtl="0">
-              <a:lnSpc>
-                <a:spcPct val="115000"/>
-              </a:lnSpc>
-              <a:spcBef>
-                <a:spcPts val="300"/>
-              </a:spcBef>
-              <a:spcAft>
-                <a:spcPts val="0"/>
-              </a:spcAft>
-              <a:buNone/>
-            </a:pPr>
-            <a:endParaRPr sz="1200">
-              <a:solidFill>
-                <a:srgbClr val="24292E"/>
-              </a:solidFill>
-            </a:endParaRPr>
-          </a:p>
-          <a:p>
-            <a:pPr marL="0" lvl="0" indent="0" algn="l" rtl="0">
-              <a:lnSpc>
-                <a:spcPct val="115000"/>
-              </a:lnSpc>
-              <a:spcBef>
-                <a:spcPts val="1200"/>
-              </a:spcBef>
-              <a:spcAft>
-                <a:spcPts val="0"/>
-              </a:spcAft>
-              <a:buNone/>
-            </a:pPr>
-            <a:endParaRPr sz="1200">
-              <a:solidFill>
-                <a:srgbClr val="24292E"/>
-              </a:solidFill>
-            </a:endParaRPr>
-          </a:p>
-          <a:p>
-            <a:pPr marL="0" lvl="0" indent="0" algn="l" rtl="0">
-              <a:lnSpc>
-                <a:spcPct val="115000"/>
-              </a:lnSpc>
-              <a:spcBef>
-                <a:spcPts val="1200"/>
-              </a:spcBef>
-              <a:spcAft>
-                <a:spcPts val="0"/>
-              </a:spcAft>
-              <a:buNone/>
-            </a:pPr>
-            <a:endParaRPr sz="1200">
-              <a:solidFill>
-                <a:srgbClr val="24292E"/>
-              </a:solidFill>
-              <a:highlight>
-                <a:srgbClr val="FFFFFF"/>
-              </a:highlight>
-            </a:endParaRPr>
-          </a:p>
-          <a:p>
-            <a:pPr marL="0" lvl="0" indent="0" algn="l" rtl="0">
-              <a:lnSpc>
-                <a:spcPct val="115000"/>
-              </a:lnSpc>
-              <a:spcBef>
-                <a:spcPts val="300"/>
-              </a:spcBef>
-              <a:spcAft>
-                <a:spcPts val="0"/>
-              </a:spcAft>
-              <a:buNone/>
-            </a:pPr>
-            <a:endParaRPr sz="1200">
-              <a:solidFill>
-                <a:srgbClr val="24292E"/>
-              </a:solidFill>
-            </a:endParaRPr>
-          </a:p>
-          <a:p>
-            <a:pPr marL="0" lvl="0" indent="0" algn="l" rtl="0">
-              <a:spcBef>
-                <a:spcPts val="1200"/>
-              </a:spcBef>
-              <a:spcAft>
-                <a:spcPts val="0"/>
-              </a:spcAft>
-              <a:buClr>
-                <a:schemeClr val="dk1"/>
-              </a:buClr>
-              <a:buSzPts val="1100"/>
-              <a:buFont typeface="Arial"/>
-              <a:buNone/>
-            </a:pPr>
-            <a:endParaRPr b="1">
-              <a:solidFill>
-                <a:schemeClr val="dk1"/>
-              </a:solidFill>
-            </a:endParaRPr>
-          </a:p>
-          <a:p>
-            <a:pPr marL="0" lvl="0" indent="0" algn="l" rtl="0">
-              <a:spcBef>
-                <a:spcPts val="0"/>
-              </a:spcBef>
-              <a:spcAft>
-                <a:spcPts val="0"/>
-              </a:spcAft>
-              <a:buClr>
-                <a:schemeClr val="dk1"/>
-              </a:buClr>
-              <a:buSzPts val="1100"/>
-              <a:buFont typeface="Arial"/>
-              <a:buNone/>
-            </a:pPr>
-            <a:endParaRPr b="1">
-              <a:solidFill>
-                <a:schemeClr val="dk1"/>
-              </a:solidFill>
-              <a:latin typeface="Roboto"/>
-              <a:ea typeface="Roboto"/>
-              <a:cs typeface="Roboto"/>
-              <a:sym typeface="Roboto"/>
-            </a:endParaRPr>
-          </a:p>
-          <a:p>
-            <a:pPr marL="0" lvl="0" indent="0" algn="l" rtl="0">
-              <a:lnSpc>
-                <a:spcPct val="115000"/>
-              </a:lnSpc>
-              <a:spcBef>
-                <a:spcPts val="0"/>
-              </a:spcBef>
-              <a:spcAft>
-                <a:spcPts val="0"/>
-              </a:spcAft>
-              <a:buNone/>
-            </a:pPr>
-            <a:endParaRPr>
-              <a:solidFill>
-                <a:srgbClr val="24292E"/>
-              </a:solidFill>
-              <a:highlight>
-                <a:schemeClr val="lt1"/>
-              </a:highlight>
-              <a:latin typeface="Roboto"/>
-              <a:ea typeface="Roboto"/>
-              <a:cs typeface="Roboto"/>
-              <a:sym typeface="Roboto"/>
-            </a:endParaRPr>
-          </a:p>
-          <a:p>
-            <a:pPr marL="0" lvl="0" indent="0" algn="l" rtl="0">
-              <a:lnSpc>
-                <a:spcPct val="115000"/>
-              </a:lnSpc>
-              <a:spcBef>
-                <a:spcPts val="1200"/>
-              </a:spcBef>
-              <a:spcAft>
-                <a:spcPts val="0"/>
-              </a:spcAft>
-              <a:buClr>
-                <a:schemeClr val="dk1"/>
-              </a:buClr>
-              <a:buSzPts val="1100"/>
-              <a:buFont typeface="Arial"/>
-              <a:buNone/>
-            </a:pPr>
-            <a:endParaRPr b="1">
-              <a:solidFill>
-                <a:schemeClr val="dk1"/>
-              </a:solidFill>
-              <a:latin typeface="Roboto"/>
-              <a:ea typeface="Roboto"/>
-              <a:cs typeface="Roboto"/>
-              <a:sym typeface="Roboto"/>
-            </a:endParaRPr>
-          </a:p>
-          <a:p>
-            <a:pPr marL="0" lvl="0" indent="0" algn="l" rtl="0">
-              <a:spcBef>
-                <a:spcPts val="1200"/>
-              </a:spcBef>
-              <a:spcAft>
-                <a:spcPts val="0"/>
-              </a:spcAft>
-              <a:buClr>
-                <a:schemeClr val="dk1"/>
-              </a:buClr>
-              <a:buSzPts val="1100"/>
-              <a:buFont typeface="Arial"/>
-              <a:buNone/>
-            </a:pPr>
-            <a:endParaRPr b="1">
-              <a:solidFill>
-                <a:schemeClr val="dk1"/>
-              </a:solidFill>
-              <a:latin typeface="Roboto"/>
-              <a:ea typeface="Roboto"/>
-              <a:cs typeface="Roboto"/>
-              <a:sym typeface="Roboto"/>
-            </a:endParaRPr>
-          </a:p>
-          <a:p>
-            <a:pPr marL="0" lvl="0" indent="0" algn="l" rtl="0">
-              <a:spcBef>
-                <a:spcPts val="0"/>
-              </a:spcBef>
-              <a:spcAft>
-                <a:spcPts val="0"/>
-              </a:spcAft>
-              <a:buClr>
-                <a:schemeClr val="dk1"/>
-              </a:buClr>
-              <a:buSzPts val="1100"/>
-              <a:buFont typeface="Arial"/>
-              <a:buNone/>
-            </a:pPr>
-            <a:endParaRPr b="1">
-              <a:solidFill>
-                <a:schemeClr val="dk1"/>
-              </a:solidFill>
-              <a:latin typeface="Roboto"/>
-              <a:ea typeface="Roboto"/>
-              <a:cs typeface="Roboto"/>
-              <a:sym typeface="Roboto"/>
-            </a:endParaRPr>
-          </a:p>
-          <a:p>
-            <a:pPr marL="0" lvl="0" indent="0" algn="l" rtl="0">
-              <a:spcBef>
-                <a:spcPts val="0"/>
-              </a:spcBef>
-              <a:spcAft>
-                <a:spcPts val="0"/>
-              </a:spcAft>
-              <a:buClr>
-                <a:schemeClr val="dk1"/>
-              </a:buClr>
-              <a:buSzPts val="1100"/>
-              <a:buFont typeface="Arial"/>
-              <a:buNone/>
-            </a:pPr>
-            <a:endParaRPr>
-              <a:solidFill>
-                <a:srgbClr val="24292E"/>
-              </a:solidFill>
-              <a:highlight>
-                <a:srgbClr val="FFFFFF"/>
-              </a:highlight>
-              <a:latin typeface="Roboto"/>
-              <a:ea typeface="Roboto"/>
-              <a:cs typeface="Roboto"/>
-              <a:sym typeface="Roboto"/>
-            </a:endParaRPr>
-          </a:p>
-          <a:p>
-            <a:pPr marL="0" lvl="0" indent="0" algn="l" rtl="0">
-              <a:spcBef>
-                <a:spcPts val="0"/>
-              </a:spcBef>
-              <a:spcAft>
-                <a:spcPts val="0"/>
-              </a:spcAft>
-              <a:buClr>
-                <a:schemeClr val="dk1"/>
-              </a:buClr>
-              <a:buSzPts val="1100"/>
-              <a:buFont typeface="Arial"/>
-              <a:buNone/>
-            </a:pPr>
-            <a:endParaRPr b="1">
-              <a:solidFill>
-                <a:schemeClr val="dk1"/>
-              </a:solidFill>
-              <a:latin typeface="Roboto"/>
-              <a:ea typeface="Roboto"/>
-              <a:cs typeface="Roboto"/>
-              <a:sym typeface="Roboto"/>
-            </a:endParaRPr>
-          </a:p>
-          <a:p>
-            <a:pPr marL="0" lvl="0" indent="0" algn="l" rtl="0">
-              <a:spcBef>
-                <a:spcPts val="0"/>
-              </a:spcBef>
-              <a:spcAft>
-                <a:spcPts val="0"/>
-              </a:spcAft>
-              <a:buClr>
-                <a:schemeClr val="dk1"/>
-              </a:buClr>
-              <a:buSzPts val="1100"/>
-              <a:buFont typeface="Arial"/>
-              <a:buNone/>
-            </a:pPr>
-            <a:endParaRPr sz="1400">
-              <a:solidFill>
-                <a:schemeClr val="dk1"/>
-              </a:solidFill>
-              <a:latin typeface="Roboto"/>
-              <a:ea typeface="Roboto"/>
-              <a:cs typeface="Roboto"/>
-              <a:sym typeface="Roboto"/>
-            </a:endParaRPr>
-          </a:p>
-          <a:p>
-            <a:pPr marL="0" lvl="0" indent="0" algn="l" rtl="0">
-              <a:spcBef>
-                <a:spcPts val="0"/>
-              </a:spcBef>
-              <a:spcAft>
-                <a:spcPts val="0"/>
-              </a:spcAft>
-              <a:buClr>
-                <a:schemeClr val="dk1"/>
-              </a:buClr>
-              <a:buSzPts val="1100"/>
-              <a:buFont typeface="Arial"/>
-              <a:buNone/>
-            </a:pPr>
-            <a:endParaRPr sz="1400">
-              <a:solidFill>
-                <a:schemeClr val="dk1"/>
-              </a:solidFill>
-              <a:latin typeface="Roboto"/>
-              <a:ea typeface="Roboto"/>
-              <a:cs typeface="Roboto"/>
-              <a:sym typeface="Roboto"/>
-            </a:endParaRPr>
-          </a:p>
-          <a:p>
-            <a:pPr marL="0" lvl="0" indent="0" algn="l" rtl="0">
-              <a:spcBef>
-                <a:spcPts val="0"/>
-              </a:spcBef>
-              <a:spcAft>
-                <a:spcPts val="0"/>
-              </a:spcAft>
-              <a:buClr>
-                <a:schemeClr val="dk1"/>
-              </a:buClr>
-              <a:buSzPts val="1100"/>
-              <a:buFont typeface="Arial"/>
-              <a:buNone/>
-            </a:pPr>
-            <a:endParaRPr sz="1400">
-              <a:solidFill>
-                <a:schemeClr val="dk1"/>
-              </a:solidFill>
-              <a:latin typeface="Roboto"/>
-              <a:ea typeface="Roboto"/>
-              <a:cs typeface="Roboto"/>
-              <a:sym typeface="Roboto"/>
-            </a:endParaRPr>
-          </a:p>
-          <a:p>
-            <a:pPr marL="0" lvl="0" indent="0" algn="l" rtl="0">
-              <a:spcBef>
-                <a:spcPts val="0"/>
-              </a:spcBef>
-              <a:spcAft>
-                <a:spcPts val="0"/>
-              </a:spcAft>
-              <a:buClr>
-                <a:schemeClr val="dk1"/>
-              </a:buClr>
-              <a:buSzPts val="1100"/>
-              <a:buFont typeface="Arial"/>
-              <a:buNone/>
-            </a:pPr>
-            <a:endParaRPr sz="1400">
-              <a:solidFill>
-                <a:schemeClr val="dk1"/>
-              </a:solidFill>
-              <a:latin typeface="Roboto"/>
-              <a:ea typeface="Roboto"/>
-              <a:cs typeface="Roboto"/>
-              <a:sym typeface="Roboto"/>
-            </a:endParaRPr>
-          </a:p>
-          <a:p>
-            <a:pPr marL="0" lvl="0" indent="0" algn="l" rtl="0">
-              <a:spcBef>
-                <a:spcPts val="0"/>
-              </a:spcBef>
-              <a:spcAft>
-                <a:spcPts val="0"/>
-              </a:spcAft>
-              <a:buClr>
-                <a:schemeClr val="dk1"/>
-              </a:buClr>
-              <a:buSzPts val="1100"/>
-              <a:buFont typeface="Arial"/>
-              <a:buNone/>
-            </a:pPr>
-            <a:endParaRPr sz="1400">
-              <a:solidFill>
-                <a:schemeClr val="dk1"/>
-              </a:solidFill>
-              <a:latin typeface="Roboto"/>
-              <a:ea typeface="Roboto"/>
-              <a:cs typeface="Roboto"/>
-              <a:sym typeface="Roboto"/>
-            </a:endParaRPr>
-          </a:p>
-          <a:p>
-            <a:pPr marL="0" lvl="0" indent="0" algn="l" rtl="0">
-              <a:spcBef>
-                <a:spcPts val="0"/>
-              </a:spcBef>
-              <a:spcAft>
-                <a:spcPts val="0"/>
-              </a:spcAft>
-              <a:buClr>
-                <a:schemeClr val="dk1"/>
-              </a:buClr>
-              <a:buSzPts val="1100"/>
-              <a:buFont typeface="Arial"/>
-              <a:buNone/>
-            </a:pPr>
-            <a:endParaRPr sz="1400">
-              <a:solidFill>
-                <a:schemeClr val="dk1"/>
-              </a:solidFill>
-              <a:latin typeface="Roboto"/>
-              <a:ea typeface="Roboto"/>
-              <a:cs typeface="Roboto"/>
-              <a:sym typeface="Roboto"/>
-            </a:endParaRPr>
-          </a:p>
-          <a:p>
-            <a:pPr marL="0" lvl="0" indent="0" algn="l" rtl="0">
-              <a:spcBef>
-                <a:spcPts val="0"/>
-              </a:spcBef>
-              <a:spcAft>
-                <a:spcPts val="0"/>
-              </a:spcAft>
-              <a:buClr>
-                <a:schemeClr val="dk1"/>
-              </a:buClr>
-              <a:buSzPts val="1100"/>
-              <a:buFont typeface="Arial"/>
-              <a:buNone/>
-            </a:pPr>
-            <a:endParaRPr sz="1400">
-              <a:solidFill>
-                <a:schemeClr val="dk1"/>
-              </a:solidFill>
-              <a:latin typeface="Roboto"/>
-              <a:ea typeface="Roboto"/>
-              <a:cs typeface="Roboto"/>
-              <a:sym typeface="Roboto"/>
-            </a:endParaRPr>
-          </a:p>
-          <a:p>
-            <a:pPr marL="0" lvl="0" indent="0" algn="l" rtl="0">
-              <a:spcBef>
-                <a:spcPts val="0"/>
-              </a:spcBef>
-              <a:spcAft>
-                <a:spcPts val="0"/>
-              </a:spcAft>
-              <a:buClr>
-                <a:schemeClr val="dk1"/>
-              </a:buClr>
-              <a:buSzPts val="1100"/>
-              <a:buFont typeface="Arial"/>
-              <a:buNone/>
-            </a:pPr>
-            <a:endParaRPr b="1">
-              <a:solidFill>
-                <a:schemeClr val="dk1"/>
-              </a:solidFill>
-              <a:latin typeface="Roboto"/>
-              <a:ea typeface="Roboto"/>
-              <a:cs typeface="Roboto"/>
-              <a:sym typeface="Roboto"/>
-            </a:endParaRPr>
-          </a:p>
-          <a:p>
-            <a:pPr marL="457200" lvl="0" indent="0" algn="l" rtl="0">
-              <a:lnSpc>
-                <a:spcPct val="115000"/>
-              </a:lnSpc>
-              <a:spcBef>
-                <a:spcPts val="0"/>
-              </a:spcBef>
-              <a:spcAft>
-                <a:spcPts val="0"/>
-              </a:spcAft>
-              <a:buNone/>
-            </a:pPr>
-            <a:endParaRPr sz="1200">
-              <a:solidFill>
-                <a:srgbClr val="24292E"/>
-              </a:solidFill>
-              <a:highlight>
-                <a:srgbClr val="FFFFFF"/>
-              </a:highlight>
-            </a:endParaRPr>
-          </a:p>
-          <a:p>
-            <a:pPr marL="0" lvl="0" indent="0" algn="l" rtl="0">
-              <a:lnSpc>
-                <a:spcPct val="115000"/>
-              </a:lnSpc>
-              <a:spcBef>
-                <a:spcPts val="1200"/>
-              </a:spcBef>
-              <a:spcAft>
-                <a:spcPts val="0"/>
-              </a:spcAft>
-              <a:buNone/>
-            </a:pPr>
-            <a:endParaRPr sz="1200">
-              <a:solidFill>
-                <a:srgbClr val="24292E"/>
-              </a:solidFill>
-              <a:highlight>
-                <a:srgbClr val="FFFFFF"/>
-              </a:highlight>
-            </a:endParaRPr>
-          </a:p>
-          <a:p>
-            <a:pPr marL="0" lvl="0" indent="0" algn="l" rtl="0">
-              <a:lnSpc>
-                <a:spcPct val="115000"/>
-              </a:lnSpc>
-              <a:spcBef>
-                <a:spcPts val="1200"/>
-              </a:spcBef>
-              <a:spcAft>
-                <a:spcPts val="0"/>
-              </a:spcAft>
-              <a:buNone/>
-            </a:pPr>
-            <a:endParaRPr sz="1200">
-              <a:solidFill>
-                <a:srgbClr val="24292E"/>
-              </a:solidFill>
-              <a:highlight>
-                <a:srgbClr val="FFFFFF"/>
-              </a:highlight>
-            </a:endParaRPr>
-          </a:p>
-          <a:p>
-            <a:pPr marL="0" lvl="0" indent="0" algn="l" rtl="0">
-              <a:lnSpc>
-                <a:spcPct val="115000"/>
-              </a:lnSpc>
-              <a:spcBef>
-                <a:spcPts val="1200"/>
-              </a:spcBef>
-              <a:spcAft>
-                <a:spcPts val="0"/>
-              </a:spcAft>
-              <a:buClr>
-                <a:schemeClr val="dk1"/>
-              </a:buClr>
-              <a:buSzPts val="1100"/>
-              <a:buFont typeface="Arial"/>
-              <a:buNone/>
-            </a:pPr>
-            <a:endParaRPr sz="1200" b="1">
-              <a:solidFill>
-                <a:srgbClr val="24292E"/>
-              </a:solidFill>
-            </a:endParaRPr>
-          </a:p>
-          <a:p>
-            <a:pPr marL="0" lvl="0" indent="0" algn="l" rtl="0">
-              <a:spcBef>
-                <a:spcPts val="1200"/>
-              </a:spcBef>
-              <a:spcAft>
-                <a:spcPts val="0"/>
-              </a:spcAft>
-              <a:buNone/>
-            </a:pPr>
-            <a:endParaRPr b="1">
-              <a:solidFill>
-                <a:schemeClr val="dk1"/>
+                <a:srgbClr val="FF0000"/>
               </a:solidFill>
             </a:endParaRPr>
           </a:p>
@@ -2336,97 +1648,7 @@
     </p:spTree>
     <p:extLst>
       <p:ext uri="{BB962C8B-B14F-4D97-AF65-F5344CB8AC3E}">
-        <p14:creationId xmlns:p14="http://schemas.microsoft.com/office/powerpoint/2010/main" val="2315710620"/>
-      </p:ext>
-    </p:extLst>
-  </p:cSld>
-  <p:clrMapOvr>
-    <a:masterClrMapping/>
-  </p:clrMapOvr>
-</p:notes>
-</file>
-
-<file path=ppt/notesSlides/notesSlide7.xml><?xml version="1.0" encoding="utf-8"?>
-<p:notes xmlns:a="http://schemas.openxmlformats.org/drawingml/2006/main" xmlns:r="http://schemas.openxmlformats.org/officeDocument/2006/relationships" xmlns:p="http://schemas.openxmlformats.org/presentationml/2006/main">
-  <p:cSld>
-    <p:spTree>
-      <p:nvGrpSpPr>
-        <p:cNvPr id="1" name=""/>
-        <p:cNvGrpSpPr/>
-        <p:nvPr/>
-      </p:nvGrpSpPr>
-      <p:grpSpPr>
-        <a:xfrm>
-          <a:off x="0" y="0"/>
-          <a:ext cx="0" cy="0"/>
-          <a:chOff x="0" y="0"/>
-          <a:chExt cx="0" cy="0"/>
-        </a:xfrm>
-      </p:grpSpPr>
-      <p:sp>
-        <p:nvSpPr>
-          <p:cNvPr id="2" name="Slide Image Placeholder 1"/>
-          <p:cNvSpPr>
-            <a:spLocks noGrp="1" noRot="1" noChangeAspect="1"/>
-          </p:cNvSpPr>
-          <p:nvPr>
-            <p:ph type="sldImg"/>
-          </p:nvPr>
-        </p:nvSpPr>
-        <p:spPr/>
-      </p:sp>
-      <p:sp>
-        <p:nvSpPr>
-          <p:cNvPr id="3" name="Notes Placeholder 2"/>
-          <p:cNvSpPr>
-            <a:spLocks noGrp="1"/>
-          </p:cNvSpPr>
-          <p:nvPr>
-            <p:ph type="body" idx="1"/>
-          </p:nvPr>
-        </p:nvSpPr>
-        <p:spPr/>
-        <p:txBody>
-          <a:bodyPr/>
-          <a:lstStyle/>
-          <a:p>
-            <a:r>
-              <a:rPr lang="en-US" dirty="0"/>
-              <a:t>https://charts.powerbi.tips/</a:t>
-            </a:r>
-          </a:p>
-          <a:p>
-            <a:endParaRPr lang="en-US" dirty="0"/>
-          </a:p>
-        </p:txBody>
-      </p:sp>
-      <p:sp>
-        <p:nvSpPr>
-          <p:cNvPr id="4" name="Slide Number Placeholder 3"/>
-          <p:cNvSpPr>
-            <a:spLocks noGrp="1"/>
-          </p:cNvSpPr>
-          <p:nvPr>
-            <p:ph type="sldNum" sz="quarter" idx="5"/>
-          </p:nvPr>
-        </p:nvSpPr>
-        <p:spPr/>
-        <p:txBody>
-          <a:bodyPr/>
-          <a:lstStyle/>
-          <a:p>
-            <a:fld id="{A37C8F5E-759F-436F-8A80-239E61BF6BDC}" type="slidenum">
-              <a:rPr lang="en-US" smtClean="0"/>
-              <a:t>17</a:t>
-            </a:fld>
-            <a:endParaRPr lang="en-US"/>
-          </a:p>
-        </p:txBody>
-      </p:sp>
-    </p:spTree>
-    <p:extLst>
-      <p:ext uri="{BB962C8B-B14F-4D97-AF65-F5344CB8AC3E}">
-        <p14:creationId xmlns:p14="http://schemas.microsoft.com/office/powerpoint/2010/main" val="2282231010"/>
+        <p14:creationId xmlns:p14="http://schemas.microsoft.com/office/powerpoint/2010/main" val="4105769152"/>
       </p:ext>
     </p:extLst>
   </p:cSld>
@@ -2623,7 +1845,7 @@
     </p:spTree>
     <p:extLst>
       <p:ext uri="{BB962C8B-B14F-4D97-AF65-F5344CB8AC3E}">
-        <p14:creationId xmlns:p14="http://schemas.microsoft.com/office/powerpoint/2010/main" val="4105769152"/>
+        <p14:creationId xmlns:p14="http://schemas.microsoft.com/office/powerpoint/2010/main" val="3317494384"/>
       </p:ext>
     </p:extLst>
   </p:cSld>
@@ -2820,7 +2042,7 @@
     </p:spTree>
     <p:extLst>
       <p:ext uri="{BB962C8B-B14F-4D97-AF65-F5344CB8AC3E}">
-        <p14:creationId xmlns:p14="http://schemas.microsoft.com/office/powerpoint/2010/main" val="3317494384"/>
+        <p14:creationId xmlns:p14="http://schemas.microsoft.com/office/powerpoint/2010/main" val="342796817"/>
       </p:ext>
     </p:extLst>
   </p:cSld>
@@ -2977,7 +2199,7 @@
           <a:p>
             <a:fld id="{116AB6AB-B19C-4A18-B35D-F02BE370A671}" type="datetimeFigureOut">
               <a:rPr lang="en-US" smtClean="0"/>
-              <a:t>12/7/2024</a:t>
+              <a:t>12/23/2024</a:t>
             </a:fld>
             <a:endParaRPr lang="en-US"/>
           </a:p>
@@ -3175,7 +2397,7 @@
           <a:p>
             <a:fld id="{116AB6AB-B19C-4A18-B35D-F02BE370A671}" type="datetimeFigureOut">
               <a:rPr lang="en-US" smtClean="0"/>
-              <a:t>12/7/2024</a:t>
+              <a:t>12/23/2024</a:t>
             </a:fld>
             <a:endParaRPr lang="en-US"/>
           </a:p>
@@ -3383,7 +2605,7 @@
           <a:p>
             <a:fld id="{116AB6AB-B19C-4A18-B35D-F02BE370A671}" type="datetimeFigureOut">
               <a:rPr lang="en-US" smtClean="0"/>
-              <a:t>12/7/2024</a:t>
+              <a:t>12/23/2024</a:t>
             </a:fld>
             <a:endParaRPr lang="en-US"/>
           </a:p>
@@ -6167,7 +5389,7 @@
           <a:p>
             <a:fld id="{116AB6AB-B19C-4A18-B35D-F02BE370A671}" type="datetimeFigureOut">
               <a:rPr lang="en-US" smtClean="0"/>
-              <a:t>12/7/2024</a:t>
+              <a:t>12/23/2024</a:t>
             </a:fld>
             <a:endParaRPr lang="en-US"/>
           </a:p>
@@ -6442,7 +5664,7 @@
           <a:p>
             <a:fld id="{116AB6AB-B19C-4A18-B35D-F02BE370A671}" type="datetimeFigureOut">
               <a:rPr lang="en-US" smtClean="0"/>
-              <a:t>12/7/2024</a:t>
+              <a:t>12/23/2024</a:t>
             </a:fld>
             <a:endParaRPr lang="en-US"/>
           </a:p>
@@ -6707,7 +5929,7 @@
           <a:p>
             <a:fld id="{116AB6AB-B19C-4A18-B35D-F02BE370A671}" type="datetimeFigureOut">
               <a:rPr lang="en-US" smtClean="0"/>
-              <a:t>12/7/2024</a:t>
+              <a:t>12/23/2024</a:t>
             </a:fld>
             <a:endParaRPr lang="en-US"/>
           </a:p>
@@ -7119,7 +6341,7 @@
           <a:p>
             <a:fld id="{116AB6AB-B19C-4A18-B35D-F02BE370A671}" type="datetimeFigureOut">
               <a:rPr lang="en-US" smtClean="0"/>
-              <a:t>12/7/2024</a:t>
+              <a:t>12/23/2024</a:t>
             </a:fld>
             <a:endParaRPr lang="en-US"/>
           </a:p>
@@ -7260,7 +6482,7 @@
           <a:p>
             <a:fld id="{116AB6AB-B19C-4A18-B35D-F02BE370A671}" type="datetimeFigureOut">
               <a:rPr lang="en-US" smtClean="0"/>
-              <a:t>12/7/2024</a:t>
+              <a:t>12/23/2024</a:t>
             </a:fld>
             <a:endParaRPr lang="en-US"/>
           </a:p>
@@ -7373,7 +6595,7 @@
           <a:p>
             <a:fld id="{116AB6AB-B19C-4A18-B35D-F02BE370A671}" type="datetimeFigureOut">
               <a:rPr lang="en-US" smtClean="0"/>
-              <a:t>12/7/2024</a:t>
+              <a:t>12/23/2024</a:t>
             </a:fld>
             <a:endParaRPr lang="en-US"/>
           </a:p>
@@ -7684,7 +6906,7 @@
           <a:p>
             <a:fld id="{116AB6AB-B19C-4A18-B35D-F02BE370A671}" type="datetimeFigureOut">
               <a:rPr lang="en-US" smtClean="0"/>
-              <a:t>12/7/2024</a:t>
+              <a:t>12/23/2024</a:t>
             </a:fld>
             <a:endParaRPr lang="en-US"/>
           </a:p>
@@ -7972,7 +7194,7 @@
           <a:p>
             <a:fld id="{116AB6AB-B19C-4A18-B35D-F02BE370A671}" type="datetimeFigureOut">
               <a:rPr lang="en-US" smtClean="0"/>
-              <a:t>12/7/2024</a:t>
+              <a:t>12/23/2024</a:t>
             </a:fld>
             <a:endParaRPr lang="en-US"/>
           </a:p>
@@ -8213,7 +7435,7 @@
           <a:p>
             <a:fld id="{116AB6AB-B19C-4A18-B35D-F02BE370A671}" type="datetimeFigureOut">
               <a:rPr lang="en-US" smtClean="0"/>
-              <a:t>12/7/2024</a:t>
+              <a:t>12/23/2024</a:t>
             </a:fld>
             <a:endParaRPr lang="en-US"/>
           </a:p>
@@ -9765,7 +8987,7 @@
   <p:cSld>
     <p:spTree>
       <p:nvGrpSpPr>
-        <p:cNvPr id="1" name="Shape 6078"/>
+        <p:cNvPr id="1" name=""/>
         <p:cNvGrpSpPr/>
         <p:nvPr/>
       </p:nvGrpSpPr>
@@ -9777,334 +8999,46 @@
           <a:chExt cx="0" cy="0"/>
         </a:xfrm>
       </p:grpSpPr>
-      <p:sp>
-        <p:nvSpPr>
-          <p:cNvPr id="6080" name="Google Shape;6080;p407"/>
-          <p:cNvSpPr txBox="1">
-            <a:spLocks noGrp="1"/>
-          </p:cNvSpPr>
-          <p:nvPr>
-            <p:ph type="title"/>
-          </p:nvPr>
-        </p:nvSpPr>
-        <p:spPr>
-          <a:xfrm>
-            <a:off x="-16400" y="0"/>
-            <a:ext cx="12224800" cy="711600"/>
-          </a:xfrm>
-          <a:prstGeom prst="rect">
-            <a:avLst/>
-          </a:prstGeom>
-        </p:spPr>
-        <p:txBody>
-          <a:bodyPr spcFirstLastPara="1" vert="horz" wrap="square" lIns="609600" tIns="243833" rIns="365733" bIns="121900" rtlCol="0" anchor="t" anchorCtr="0">
-            <a:noAutofit/>
-          </a:bodyPr>
-          <a:lstStyle/>
-          <a:p>
-            <a:pPr>
-              <a:buSzPts val="990"/>
-            </a:pPr>
-            <a:r>
-              <a:rPr lang="en" sz="3253" dirty="0"/>
-              <a:t>Activity: Explore Data</a:t>
-            </a:r>
-            <a:endParaRPr sz="3253" b="1" dirty="0">
-              <a:latin typeface="Roboto"/>
-              <a:ea typeface="Roboto"/>
-              <a:cs typeface="Roboto"/>
-              <a:sym typeface="Roboto"/>
-            </a:endParaRPr>
-          </a:p>
-        </p:txBody>
-      </p:sp>
-      <p:sp>
-        <p:nvSpPr>
-          <p:cNvPr id="6081" name="Google Shape;6081;p407"/>
-          <p:cNvSpPr txBox="1">
-            <a:spLocks noGrp="1"/>
-          </p:cNvSpPr>
-          <p:nvPr>
-            <p:ph type="sldNum" idx="12"/>
-          </p:nvPr>
-        </p:nvSpPr>
-        <p:spPr>
-          <a:xfrm>
-            <a:off x="11477033" y="6609600"/>
-            <a:ext cx="349200" cy="140800"/>
-          </a:xfrm>
-          <a:prstGeom prst="rect">
-            <a:avLst/>
-          </a:prstGeom>
-        </p:spPr>
-        <p:txBody>
-          <a:bodyPr spcFirstLastPara="1" vert="horz" wrap="square" lIns="0" tIns="0" rIns="0" bIns="121900" rtlCol="0" anchor="t" anchorCtr="0">
-            <a:normAutofit fontScale="25000" lnSpcReduction="20000"/>
-          </a:bodyPr>
-          <a:lstStyle/>
-          <a:p>
-            <a:fld id="{00000000-1234-1234-1234-123412341234}" type="slidenum">
-              <a:rPr lang="en"/>
-              <a:pPr/>
-              <a:t>14</a:t>
-            </a:fld>
-            <a:endParaRPr/>
-          </a:p>
-        </p:txBody>
-      </p:sp>
-      <p:sp>
-        <p:nvSpPr>
-          <p:cNvPr id="6082" name="Google Shape;6082;p407"/>
-          <p:cNvSpPr/>
-          <p:nvPr/>
-        </p:nvSpPr>
-        <p:spPr>
-          <a:xfrm>
-            <a:off x="751100" y="1353299"/>
-            <a:ext cx="10722400" cy="3343653"/>
-          </a:xfrm>
-          <a:prstGeom prst="rect">
-            <a:avLst/>
-          </a:prstGeom>
-          <a:noFill/>
-          <a:ln w="28575" cap="flat" cmpd="sng">
-            <a:solidFill>
-              <a:srgbClr val="000000"/>
-            </a:solidFill>
-            <a:prstDash val="solid"/>
-            <a:round/>
-            <a:headEnd type="none" w="sm" len="sm"/>
-            <a:tailEnd type="none" w="sm" len="sm"/>
-          </a:ln>
-        </p:spPr>
-        <p:txBody>
-          <a:bodyPr spcFirstLastPara="1" wrap="square" lIns="121900" tIns="121900" rIns="121900" bIns="121900" anchor="ctr" anchorCtr="0">
-            <a:noAutofit/>
-          </a:bodyPr>
-          <a:lstStyle/>
-          <a:p>
-            <a:endParaRPr sz="2400"/>
-          </a:p>
-        </p:txBody>
-      </p:sp>
-      <p:sp>
-        <p:nvSpPr>
-          <p:cNvPr id="6086" name="Google Shape;6086;p407"/>
-          <p:cNvSpPr/>
-          <p:nvPr/>
-        </p:nvSpPr>
-        <p:spPr>
-          <a:xfrm>
-            <a:off x="738533" y="4809203"/>
-            <a:ext cx="10722400" cy="1281600"/>
-          </a:xfrm>
-          <a:prstGeom prst="rect">
-            <a:avLst/>
-          </a:prstGeom>
-          <a:noFill/>
-          <a:ln w="28575" cap="flat" cmpd="sng">
-            <a:solidFill>
-              <a:srgbClr val="FF0000"/>
-            </a:solidFill>
-            <a:prstDash val="solid"/>
-            <a:round/>
-            <a:headEnd type="none" w="sm" len="sm"/>
-            <a:tailEnd type="none" w="sm" len="sm"/>
-          </a:ln>
-        </p:spPr>
-        <p:txBody>
-          <a:bodyPr spcFirstLastPara="1" wrap="square" lIns="121900" tIns="121900" rIns="121900" bIns="121900" anchor="ctr" anchorCtr="0">
-            <a:noAutofit/>
-          </a:bodyPr>
-          <a:lstStyle/>
-          <a:p>
-            <a:pPr marL="609585"/>
-            <a:endParaRPr sz="2400"/>
-          </a:p>
-          <a:p>
-            <a:pPr marL="609585"/>
-            <a:endParaRPr sz="2400"/>
-          </a:p>
-          <a:p>
-            <a:pPr marL="609585"/>
-            <a:endParaRPr sz="2400"/>
-          </a:p>
-          <a:p>
-            <a:pPr marL="609585"/>
-            <a:r>
-              <a:rPr lang="en" sz="2400"/>
-              <a:t>	</a:t>
-            </a:r>
-            <a:endParaRPr sz="2400"/>
-          </a:p>
-        </p:txBody>
-      </p:sp>
       <p:pic>
         <p:nvPicPr>
-          <p:cNvPr id="6087" name="Google Shape;6087;p407"/>
-          <p:cNvPicPr preferRelativeResize="0"/>
+          <p:cNvPr id="6" name="Picture 5" descr="A stopwatch with a red ribbon&#10;&#10;Description automatically generated">
+            <a:extLst>
+              <a:ext uri="{FF2B5EF4-FFF2-40B4-BE49-F238E27FC236}">
+                <a16:creationId xmlns:a16="http://schemas.microsoft.com/office/drawing/2014/main" id="{DDB0DF0C-8F35-45FA-48E7-21E8F1DDEC5F}"/>
+              </a:ext>
+            </a:extLst>
+          </p:cNvPr>
+          <p:cNvPicPr>
+            <a:picLocks noChangeAspect="1"/>
+          </p:cNvPicPr>
           <p:nvPr/>
         </p:nvPicPr>
         <p:blipFill>
-          <a:blip r:embed="rId3">
-            <a:alphaModFix/>
+          <a:blip r:embed="rId2">
+            <a:extLst>
+              <a:ext uri="{28A0092B-C50C-407E-A947-70E740481C1C}">
+                <a14:useLocalDpi xmlns:a14="http://schemas.microsoft.com/office/drawing/2010/main" val="0"/>
+              </a:ext>
+            </a:extLst>
           </a:blip>
           <a:stretch>
             <a:fillRect/>
           </a:stretch>
         </p:blipFill>
         <p:spPr>
-          <a:xfrm rot="-1782531" flipH="1">
-            <a:off x="914507" y="5160004"/>
-            <a:ext cx="835436" cy="835401"/>
+          <a:xfrm>
+            <a:off x="2779889" y="643466"/>
+            <a:ext cx="6632221" cy="5571067"/>
           </a:xfrm>
           <a:prstGeom prst="rect">
             <a:avLst/>
           </a:prstGeom>
-          <a:noFill/>
-          <a:ln>
-            <a:noFill/>
-          </a:ln>
         </p:spPr>
       </p:pic>
-      <p:sp>
-        <p:nvSpPr>
-          <p:cNvPr id="6088" name="Google Shape;6088;p407"/>
-          <p:cNvSpPr txBox="1"/>
-          <p:nvPr/>
-        </p:nvSpPr>
-        <p:spPr>
-          <a:xfrm>
-            <a:off x="711652" y="4753669"/>
-            <a:ext cx="10775600" cy="1040244"/>
-          </a:xfrm>
-          <a:prstGeom prst="rect">
-            <a:avLst/>
-          </a:prstGeom>
-          <a:noFill/>
-          <a:ln>
-            <a:noFill/>
-          </a:ln>
-        </p:spPr>
-        <p:txBody>
-          <a:bodyPr spcFirstLastPara="1" wrap="square" lIns="121900" tIns="121900" rIns="121900" bIns="121900" anchor="t" anchorCtr="0">
-            <a:spAutoFit/>
-          </a:bodyPr>
-          <a:lstStyle/>
-          <a:p>
-            <a:pPr marL="609585" indent="-423323">
-              <a:buSzPts val="1400"/>
-              <a:buFont typeface="Roboto"/>
-              <a:buChar char="●"/>
-            </a:pPr>
-            <a:r>
-              <a:rPr lang="en" sz="2400" b="1" dirty="0">
-                <a:latin typeface="Roboto"/>
-                <a:ea typeface="Roboto"/>
-                <a:cs typeface="Roboto"/>
-                <a:sym typeface="Roboto"/>
-              </a:rPr>
-              <a:t>Hint:</a:t>
-            </a:r>
-            <a:endParaRPr sz="2400" b="1" dirty="0">
-              <a:latin typeface="Roboto"/>
-              <a:ea typeface="Roboto"/>
-              <a:cs typeface="Roboto"/>
-              <a:sym typeface="Roboto"/>
-            </a:endParaRPr>
-          </a:p>
-          <a:p>
-            <a:pPr marL="1219170" lvl="1" indent="-423323">
-              <a:lnSpc>
-                <a:spcPct val="115000"/>
-              </a:lnSpc>
-              <a:buClr>
-                <a:srgbClr val="24292E"/>
-              </a:buClr>
-              <a:buSzPts val="1400"/>
-              <a:buChar char="○"/>
-            </a:pPr>
-            <a:r>
-              <a:rPr lang="en" sz="2400" dirty="0">
-                <a:solidFill>
-                  <a:srgbClr val="24292E"/>
-                </a:solidFill>
-                <a:highlight>
-                  <a:srgbClr val="FFFFFF"/>
-                </a:highlight>
-                <a:latin typeface="Roboto"/>
-                <a:ea typeface="Roboto"/>
-                <a:cs typeface="Roboto"/>
-                <a:sym typeface="Roboto"/>
-              </a:rPr>
-              <a:t>Don’t forget to save the file once finished. </a:t>
-            </a:r>
-            <a:endParaRPr sz="2400" dirty="0">
-              <a:latin typeface="Roboto"/>
-              <a:ea typeface="Roboto"/>
-              <a:cs typeface="Roboto"/>
-              <a:sym typeface="Roboto"/>
-            </a:endParaRPr>
-          </a:p>
-        </p:txBody>
-      </p:sp>
-      <p:sp>
-        <p:nvSpPr>
-          <p:cNvPr id="2" name="TextBox 1">
-            <a:extLst>
-              <a:ext uri="{FF2B5EF4-FFF2-40B4-BE49-F238E27FC236}">
-                <a16:creationId xmlns:a16="http://schemas.microsoft.com/office/drawing/2014/main" id="{B11FDDDB-6D3D-CC61-74C4-1FC34A3E5F34}"/>
-              </a:ext>
-            </a:extLst>
-          </p:cNvPr>
-          <p:cNvSpPr txBox="1"/>
-          <p:nvPr/>
-        </p:nvSpPr>
-        <p:spPr>
-          <a:xfrm>
-            <a:off x="1153886" y="1469571"/>
-            <a:ext cx="10003971" cy="923330"/>
-          </a:xfrm>
-          <a:prstGeom prst="rect">
-            <a:avLst/>
-          </a:prstGeom>
-          <a:noFill/>
-        </p:spPr>
-        <p:txBody>
-          <a:bodyPr wrap="square" rtlCol="0">
-            <a:spAutoFit/>
-          </a:bodyPr>
-          <a:lstStyle/>
-          <a:p>
-            <a:r>
-              <a:rPr lang="en-US" dirty="0"/>
-              <a:t>Using </a:t>
-            </a:r>
-            <a:r>
-              <a:rPr lang="en-US" sz="1800" b="1" dirty="0"/>
-              <a:t>film data </a:t>
-            </a:r>
-            <a:r>
-              <a:rPr lang="en-US" sz="1800" dirty="0"/>
-              <a:t>do:</a:t>
-            </a:r>
-          </a:p>
-          <a:p>
-            <a:endParaRPr lang="en-US" dirty="0"/>
-          </a:p>
-          <a:p>
-            <a:pPr marL="285750" indent="-285750">
-              <a:buFont typeface="Arial" panose="020B0604020202020204" pitchFamily="34" charset="0"/>
-              <a:buChar char="•"/>
-            </a:pPr>
-            <a:endParaRPr lang="en-US" dirty="0"/>
-          </a:p>
-        </p:txBody>
-      </p:sp>
     </p:spTree>
     <p:extLst>
       <p:ext uri="{BB962C8B-B14F-4D97-AF65-F5344CB8AC3E}">
-        <p14:creationId xmlns:p14="http://schemas.microsoft.com/office/powerpoint/2010/main" val="1029680370"/>
+        <p14:creationId xmlns:p14="http://schemas.microsoft.com/office/powerpoint/2010/main" val="2866400619"/>
       </p:ext>
     </p:extLst>
   </p:cSld>
@@ -10133,10 +9067,10 @@
       </p:grpSpPr>
       <p:pic>
         <p:nvPicPr>
-          <p:cNvPr id="6" name="Picture 5" descr="A stopwatch with a red ribbon&#10;&#10;Description automatically generated">
+          <p:cNvPr id="6" name="Picture 5" descr="A yellow bar chart with black background&#10;&#10;Description automatically generated">
             <a:extLst>
               <a:ext uri="{FF2B5EF4-FFF2-40B4-BE49-F238E27FC236}">
-                <a16:creationId xmlns:a16="http://schemas.microsoft.com/office/drawing/2014/main" id="{DDB0DF0C-8F35-45FA-48E7-21E8F1DDEC5F}"/>
+                <a16:creationId xmlns:a16="http://schemas.microsoft.com/office/drawing/2014/main" id="{1780E563-1659-D578-EFB5-005558FB9683}"/>
               </a:ext>
             </a:extLst>
           </p:cNvPr>
@@ -10159,18 +9093,69 @@
         </p:blipFill>
         <p:spPr>
           <a:xfrm>
-            <a:off x="2779889" y="643466"/>
-            <a:ext cx="6632221" cy="5571067"/>
+            <a:off x="2481943" y="2694214"/>
+            <a:ext cx="7402286" cy="4163786"/>
           </a:xfrm>
           <a:prstGeom prst="rect">
             <a:avLst/>
           </a:prstGeom>
         </p:spPr>
       </p:pic>
+      <p:sp>
+        <p:nvSpPr>
+          <p:cNvPr id="7" name="Rectangle 6">
+            <a:extLst>
+              <a:ext uri="{FF2B5EF4-FFF2-40B4-BE49-F238E27FC236}">
+                <a16:creationId xmlns:a16="http://schemas.microsoft.com/office/drawing/2014/main" id="{ADCA45DE-0E5A-2BCE-8D6A-969F4E4DAD2D}"/>
+              </a:ext>
+            </a:extLst>
+          </p:cNvPr>
+          <p:cNvSpPr/>
+          <p:nvPr/>
+        </p:nvSpPr>
+        <p:spPr>
+          <a:xfrm>
+            <a:off x="2940324" y="1062335"/>
+            <a:ext cx="6812121" cy="923330"/>
+          </a:xfrm>
+          <a:prstGeom prst="rect">
+            <a:avLst/>
+          </a:prstGeom>
+          <a:noFill/>
+        </p:spPr>
+        <p:txBody>
+          <a:bodyPr wrap="none" lIns="91440" tIns="45720" rIns="91440" bIns="45720">
+            <a:spAutoFit/>
+          </a:bodyPr>
+          <a:lstStyle/>
+          <a:p>
+            <a:pPr algn="ctr"/>
+            <a:r>
+              <a:rPr lang="en-US" sz="5400" b="1" dirty="0">
+                <a:ln w="12700">
+                  <a:solidFill>
+                    <a:srgbClr val="FFC000"/>
+                  </a:solidFill>
+                  <a:prstDash val="solid"/>
+                </a:ln>
+                <a:solidFill>
+                  <a:srgbClr val="FFC000"/>
+                </a:solidFill>
+                <a:effectLst>
+                  <a:outerShdw dist="38100" dir="2640000" algn="bl" rotWithShape="0">
+                    <a:schemeClr val="accent1"/>
+                  </a:outerShdw>
+                </a:effectLst>
+              </a:rPr>
+              <a:t>Custom visualization</a:t>
+            </a:r>
+          </a:p>
+        </p:txBody>
+      </p:sp>
     </p:spTree>
     <p:extLst>
       <p:ext uri="{BB962C8B-B14F-4D97-AF65-F5344CB8AC3E}">
-        <p14:creationId xmlns:p14="http://schemas.microsoft.com/office/powerpoint/2010/main" val="2866400619"/>
+        <p14:creationId xmlns:p14="http://schemas.microsoft.com/office/powerpoint/2010/main" val="1959989743"/>
       </p:ext>
     </p:extLst>
   </p:cSld>
@@ -10199,10 +9184,10 @@
       </p:grpSpPr>
       <p:pic>
         <p:nvPicPr>
-          <p:cNvPr id="6" name="Picture 5" descr="A yellow bar chart with black background&#10;&#10;Description automatically generated">
+          <p:cNvPr id="6" name="Picture 5" descr="A screenshot of a graph&#10;&#10;Description automatically generated">
             <a:extLst>
               <a:ext uri="{FF2B5EF4-FFF2-40B4-BE49-F238E27FC236}">
-                <a16:creationId xmlns:a16="http://schemas.microsoft.com/office/drawing/2014/main" id="{1780E563-1659-D578-EFB5-005558FB9683}"/>
+                <a16:creationId xmlns:a16="http://schemas.microsoft.com/office/drawing/2014/main" id="{543698A8-B550-9AA6-571E-46510A069319}"/>
               </a:ext>
             </a:extLst>
           </p:cNvPr>
@@ -10212,7 +9197,7 @@
           <p:nvPr/>
         </p:nvPicPr>
         <p:blipFill>
-          <a:blip r:embed="rId2">
+          <a:blip r:embed="rId3">
             <a:extLst>
               <a:ext uri="{28A0092B-C50C-407E-A947-70E740481C1C}">
                 <a14:useLocalDpi xmlns:a14="http://schemas.microsoft.com/office/drawing/2010/main" val="0"/>
@@ -10225,69 +9210,18 @@
         </p:blipFill>
         <p:spPr>
           <a:xfrm>
-            <a:off x="2481943" y="2694214"/>
-            <a:ext cx="7402286" cy="4163786"/>
+            <a:off x="6037" y="1053978"/>
+            <a:ext cx="12179926" cy="4750044"/>
           </a:xfrm>
           <a:prstGeom prst="rect">
             <a:avLst/>
           </a:prstGeom>
         </p:spPr>
       </p:pic>
-      <p:sp>
-        <p:nvSpPr>
-          <p:cNvPr id="7" name="Rectangle 6">
-            <a:extLst>
-              <a:ext uri="{FF2B5EF4-FFF2-40B4-BE49-F238E27FC236}">
-                <a16:creationId xmlns:a16="http://schemas.microsoft.com/office/drawing/2014/main" id="{ADCA45DE-0E5A-2BCE-8D6A-969F4E4DAD2D}"/>
-              </a:ext>
-            </a:extLst>
-          </p:cNvPr>
-          <p:cNvSpPr/>
-          <p:nvPr/>
-        </p:nvSpPr>
-        <p:spPr>
-          <a:xfrm>
-            <a:off x="2940324" y="1062335"/>
-            <a:ext cx="6812121" cy="923330"/>
-          </a:xfrm>
-          <a:prstGeom prst="rect">
-            <a:avLst/>
-          </a:prstGeom>
-          <a:noFill/>
-        </p:spPr>
-        <p:txBody>
-          <a:bodyPr wrap="none" lIns="91440" tIns="45720" rIns="91440" bIns="45720">
-            <a:spAutoFit/>
-          </a:bodyPr>
-          <a:lstStyle/>
-          <a:p>
-            <a:pPr algn="ctr"/>
-            <a:r>
-              <a:rPr lang="en-US" sz="5400" b="1" dirty="0">
-                <a:ln w="12700">
-                  <a:solidFill>
-                    <a:srgbClr val="FFC000"/>
-                  </a:solidFill>
-                  <a:prstDash val="solid"/>
-                </a:ln>
-                <a:solidFill>
-                  <a:srgbClr val="FFC000"/>
-                </a:solidFill>
-                <a:effectLst>
-                  <a:outerShdw dist="38100" dir="2640000" algn="bl" rotWithShape="0">
-                    <a:schemeClr val="accent1"/>
-                  </a:outerShdw>
-                </a:effectLst>
-              </a:rPr>
-              <a:t>Custom visualization</a:t>
-            </a:r>
-          </a:p>
-        </p:txBody>
-      </p:sp>
     </p:spTree>
     <p:extLst>
       <p:ext uri="{BB962C8B-B14F-4D97-AF65-F5344CB8AC3E}">
-        <p14:creationId xmlns:p14="http://schemas.microsoft.com/office/powerpoint/2010/main" val="1959989743"/>
+        <p14:creationId xmlns:p14="http://schemas.microsoft.com/office/powerpoint/2010/main" val="2885975705"/>
       </p:ext>
     </p:extLst>
   </p:cSld>
@@ -10302,7 +9236,7 @@
   <p:cSld>
     <p:spTree>
       <p:nvGrpSpPr>
-        <p:cNvPr id="1" name=""/>
+        <p:cNvPr id="1" name="Shape 5977"/>
         <p:cNvGrpSpPr/>
         <p:nvPr/>
       </p:nvGrpSpPr>
@@ -10314,12 +9248,177 @@
           <a:chExt cx="0" cy="0"/>
         </a:xfrm>
       </p:grpSpPr>
+      <p:sp>
+        <p:nvSpPr>
+          <p:cNvPr id="5978" name="Google Shape;5978;p393"/>
+          <p:cNvSpPr txBox="1">
+            <a:spLocks noGrp="1"/>
+          </p:cNvSpPr>
+          <p:nvPr>
+            <p:ph type="title"/>
+          </p:nvPr>
+        </p:nvSpPr>
+        <p:spPr>
+          <a:prstGeom prst="rect">
+            <a:avLst/>
+          </a:prstGeom>
+        </p:spPr>
+        <p:txBody>
+          <a:bodyPr spcFirstLastPara="1" vert="horz" wrap="square" lIns="609600" tIns="12167" rIns="1341100" bIns="0" rtlCol="0" anchor="t" anchorCtr="0">
+            <a:noAutofit/>
+          </a:bodyPr>
+          <a:lstStyle/>
+          <a:p>
+            <a:r>
+              <a:rPr lang="en" dirty="0"/>
+              <a:t>  10 Minutes</a:t>
+            </a:r>
+            <a:endParaRPr dirty="0"/>
+          </a:p>
+        </p:txBody>
+      </p:sp>
+      <p:sp>
+        <p:nvSpPr>
+          <p:cNvPr id="5979" name="Google Shape;5979;p393"/>
+          <p:cNvSpPr txBox="1">
+            <a:spLocks noGrp="1"/>
+          </p:cNvSpPr>
+          <p:nvPr>
+            <p:ph type="sldNum" idx="12"/>
+          </p:nvPr>
+        </p:nvSpPr>
+        <p:spPr>
+          <a:prstGeom prst="rect">
+            <a:avLst/>
+          </a:prstGeom>
+        </p:spPr>
+        <p:txBody>
+          <a:bodyPr spcFirstLastPara="1" vert="horz" wrap="square" lIns="0" tIns="0" rIns="0" bIns="121900" rtlCol="0" anchor="t" anchorCtr="0">
+            <a:noAutofit/>
+          </a:bodyPr>
+          <a:lstStyle/>
+          <a:p>
+            <a:fld id="{00000000-1234-1234-1234-123412341234}" type="slidenum">
+              <a:rPr lang="en"/>
+              <a:pPr/>
+              <a:t>17</a:t>
+            </a:fld>
+            <a:endParaRPr/>
+          </a:p>
+        </p:txBody>
+      </p:sp>
+      <p:sp>
+        <p:nvSpPr>
+          <p:cNvPr id="5981" name="Google Shape;5981;p393"/>
+          <p:cNvSpPr txBox="1">
+            <a:spLocks noGrp="1"/>
+          </p:cNvSpPr>
+          <p:nvPr>
+            <p:ph type="title" idx="2"/>
+          </p:nvPr>
+        </p:nvSpPr>
+        <p:spPr>
+          <a:xfrm>
+            <a:off x="849087" y="1441021"/>
+            <a:ext cx="11202114" cy="1465899"/>
+          </a:xfrm>
+          <a:prstGeom prst="rect">
+            <a:avLst/>
+          </a:prstGeom>
+        </p:spPr>
+        <p:txBody>
+          <a:bodyPr spcFirstLastPara="1" vert="horz" wrap="square" lIns="3413733" tIns="0" rIns="609600" bIns="609600" rtlCol="0" anchor="t" anchorCtr="0">
+            <a:noAutofit/>
+          </a:bodyPr>
+          <a:lstStyle/>
+          <a:p>
+            <a:pPr>
+              <a:buClr>
+                <a:schemeClr val="dk1"/>
+              </a:buClr>
+              <a:buSzPts val="1100"/>
+            </a:pPr>
+            <a:r>
+              <a:rPr lang="en-US" sz="3067" b="1" dirty="0"/>
+              <a:t>Instructor Demonstration</a:t>
+            </a:r>
+            <a:r>
+              <a:rPr lang="en" sz="3067" b="1" dirty="0"/>
+              <a:t>: </a:t>
+            </a:r>
+            <a:r>
+              <a:rPr lang="en-US" sz="3067" b="1" dirty="0"/>
+              <a:t>Report filter and Interactions</a:t>
+            </a:r>
+            <a:endParaRPr sz="3067" dirty="0">
+              <a:latin typeface="Roboto Medium"/>
+              <a:ea typeface="Roboto Medium"/>
+              <a:cs typeface="Roboto Medium"/>
+              <a:sym typeface="Roboto Medium"/>
+            </a:endParaRPr>
+          </a:p>
+        </p:txBody>
+      </p:sp>
+      <p:sp>
+        <p:nvSpPr>
+          <p:cNvPr id="6" name="Rectangle 5">
+            <a:extLst>
+              <a:ext uri="{FF2B5EF4-FFF2-40B4-BE49-F238E27FC236}">
+                <a16:creationId xmlns:a16="http://schemas.microsoft.com/office/drawing/2014/main" id="{7E26E8FB-5CDF-A9C2-62AB-B8EF12F5377E}"/>
+              </a:ext>
+            </a:extLst>
+          </p:cNvPr>
+          <p:cNvSpPr/>
+          <p:nvPr/>
+        </p:nvSpPr>
+        <p:spPr>
+          <a:xfrm>
+            <a:off x="0" y="4684029"/>
+            <a:ext cx="12192000" cy="1866837"/>
+          </a:xfrm>
+          <a:prstGeom prst="rect">
+            <a:avLst/>
+          </a:prstGeom>
+          <a:solidFill>
+            <a:srgbClr val="C09200">
+              <a:alpha val="49804"/>
+            </a:srgbClr>
+          </a:solidFill>
+          <a:ln>
+            <a:solidFill>
+              <a:srgbClr val="FFC000"/>
+            </a:solidFill>
+          </a:ln>
+        </p:spPr>
+        <p:style>
+          <a:lnRef idx="0">
+            <a:scrgbClr r="0" g="0" b="0"/>
+          </a:lnRef>
+          <a:fillRef idx="0">
+            <a:scrgbClr r="0" g="0" b="0"/>
+          </a:fillRef>
+          <a:effectRef idx="0">
+            <a:scrgbClr r="0" g="0" b="0"/>
+          </a:effectRef>
+          <a:fontRef idx="minor">
+            <a:schemeClr val="lt1"/>
+          </a:fontRef>
+        </p:style>
+        <p:txBody>
+          <a:bodyPr rtlCol="0" anchor="ctr"/>
+          <a:lstStyle/>
+          <a:p>
+            <a:pPr algn="ctr"/>
+            <a:endParaRPr lang="en-US"/>
+          </a:p>
+        </p:txBody>
+      </p:sp>
       <p:pic>
         <p:nvPicPr>
-          <p:cNvPr id="6" name="Picture 5" descr="A screenshot of a graph&#10;&#10;Description automatically generated">
+          <p:cNvPr id="8" name="Picture 7" descr="A clock with a bell&#10;&#10;Description automatically generated">
             <a:extLst>
               <a:ext uri="{FF2B5EF4-FFF2-40B4-BE49-F238E27FC236}">
-                <a16:creationId xmlns:a16="http://schemas.microsoft.com/office/drawing/2014/main" id="{543698A8-B550-9AA6-571E-46510A069319}"/>
+                <a16:creationId xmlns:a16="http://schemas.microsoft.com/office/drawing/2014/main" id="{88A25E8B-E337-29D4-2624-D9E613FFDA2C}"/>
               </a:ext>
             </a:extLst>
           </p:cNvPr>
@@ -10342,8 +9441,114 @@
         </p:blipFill>
         <p:spPr>
           <a:xfrm>
-            <a:off x="6037" y="1053978"/>
-            <a:ext cx="12179926" cy="4750044"/>
+            <a:off x="10576776" y="4730288"/>
+            <a:ext cx="1474424" cy="1474424"/>
+          </a:xfrm>
+          <a:prstGeom prst="rect">
+            <a:avLst/>
+          </a:prstGeom>
+        </p:spPr>
+      </p:pic>
+      <p:sp>
+        <p:nvSpPr>
+          <p:cNvPr id="9" name="TextBox 8">
+            <a:extLst>
+              <a:ext uri="{FF2B5EF4-FFF2-40B4-BE49-F238E27FC236}">
+                <a16:creationId xmlns:a16="http://schemas.microsoft.com/office/drawing/2014/main" id="{78A1C98C-CBF1-4DF3-3F11-519189FD83DE}"/>
+              </a:ext>
+            </a:extLst>
+          </p:cNvPr>
+          <p:cNvSpPr txBox="1"/>
+          <p:nvPr/>
+        </p:nvSpPr>
+        <p:spPr>
+          <a:xfrm>
+            <a:off x="7881257" y="5076100"/>
+            <a:ext cx="2628119" cy="461665"/>
+          </a:xfrm>
+          <a:prstGeom prst="rect">
+            <a:avLst/>
+          </a:prstGeom>
+          <a:noFill/>
+        </p:spPr>
+        <p:txBody>
+          <a:bodyPr wrap="square" rtlCol="0">
+            <a:spAutoFit/>
+          </a:bodyPr>
+          <a:lstStyle/>
+          <a:p>
+            <a:r>
+              <a:rPr lang="en-US" sz="2400" b="1" dirty="0"/>
+              <a:t>Suggested Time:</a:t>
+            </a:r>
+          </a:p>
+        </p:txBody>
+      </p:sp>
+      <p:sp>
+        <p:nvSpPr>
+          <p:cNvPr id="10" name="TextBox 9">
+            <a:extLst>
+              <a:ext uri="{FF2B5EF4-FFF2-40B4-BE49-F238E27FC236}">
+                <a16:creationId xmlns:a16="http://schemas.microsoft.com/office/drawing/2014/main" id="{AB896F87-EB2A-AA3D-0D4B-F4A66B100DCD}"/>
+              </a:ext>
+            </a:extLst>
+          </p:cNvPr>
+          <p:cNvSpPr txBox="1"/>
+          <p:nvPr/>
+        </p:nvSpPr>
+        <p:spPr>
+          <a:xfrm>
+            <a:off x="8666492" y="5567098"/>
+            <a:ext cx="2597547" cy="400110"/>
+          </a:xfrm>
+          <a:prstGeom prst="rect">
+            <a:avLst/>
+          </a:prstGeom>
+          <a:noFill/>
+        </p:spPr>
+        <p:txBody>
+          <a:bodyPr wrap="square" rtlCol="0">
+            <a:spAutoFit/>
+          </a:bodyPr>
+          <a:lstStyle/>
+          <a:p>
+            <a:r>
+              <a:rPr lang="en-US" sz="2000" dirty="0"/>
+              <a:t>20 minutes </a:t>
+            </a:r>
+          </a:p>
+        </p:txBody>
+      </p:sp>
+      <p:pic>
+        <p:nvPicPr>
+          <p:cNvPr id="12" name="Picture 11" descr="A person standing in front of a board&#10;&#10;Description automatically generated">
+            <a:extLst>
+              <a:ext uri="{FF2B5EF4-FFF2-40B4-BE49-F238E27FC236}">
+                <a16:creationId xmlns:a16="http://schemas.microsoft.com/office/drawing/2014/main" id="{BDD304A6-4CD0-33A5-D245-AA55A57929C7}"/>
+              </a:ext>
+            </a:extLst>
+          </p:cNvPr>
+          <p:cNvPicPr>
+            <a:picLocks noChangeAspect="1"/>
+          </p:cNvPicPr>
+          <p:nvPr/>
+        </p:nvPicPr>
+        <p:blipFill>
+          <a:blip r:embed="rId4">
+            <a:extLst>
+              <a:ext uri="{28A0092B-C50C-407E-A947-70E740481C1C}">
+                <a14:useLocalDpi xmlns:a14="http://schemas.microsoft.com/office/drawing/2010/main" val="0"/>
+              </a:ext>
+            </a:extLst>
+          </a:blip>
+          <a:stretch>
+            <a:fillRect/>
+          </a:stretch>
+        </p:blipFill>
+        <p:spPr>
+          <a:xfrm>
+            <a:off x="0" y="616991"/>
+            <a:ext cx="3977456" cy="4067038"/>
           </a:xfrm>
           <a:prstGeom prst="rect">
             <a:avLst/>
@@ -10353,7 +9558,7 @@
     </p:spTree>
     <p:extLst>
       <p:ext uri="{BB962C8B-B14F-4D97-AF65-F5344CB8AC3E}">
-        <p14:creationId xmlns:p14="http://schemas.microsoft.com/office/powerpoint/2010/main" val="2885975705"/>
+        <p14:creationId xmlns:p14="http://schemas.microsoft.com/office/powerpoint/2010/main" val="3915742284"/>
       </p:ext>
     </p:extLst>
   </p:cSld>
@@ -10451,343 +9656,6 @@
         </p:nvSpPr>
         <p:spPr>
           <a:xfrm>
-            <a:off x="849087" y="1441021"/>
-            <a:ext cx="11202114" cy="1465899"/>
-          </a:xfrm>
-          <a:prstGeom prst="rect">
-            <a:avLst/>
-          </a:prstGeom>
-        </p:spPr>
-        <p:txBody>
-          <a:bodyPr spcFirstLastPara="1" vert="horz" wrap="square" lIns="3413733" tIns="0" rIns="609600" bIns="609600" rtlCol="0" anchor="t" anchorCtr="0">
-            <a:noAutofit/>
-          </a:bodyPr>
-          <a:lstStyle/>
-          <a:p>
-            <a:pPr>
-              <a:buClr>
-                <a:schemeClr val="dk1"/>
-              </a:buClr>
-              <a:buSzPts val="1100"/>
-            </a:pPr>
-            <a:r>
-              <a:rPr lang="en-US" sz="3067" b="1" dirty="0"/>
-              <a:t>Instructor Demonstration</a:t>
-            </a:r>
-            <a:r>
-              <a:rPr lang="en" sz="3067" b="1" dirty="0"/>
-              <a:t>: </a:t>
-            </a:r>
-            <a:r>
-              <a:rPr lang="en-US" sz="3067" b="1" dirty="0"/>
-              <a:t>Report filter and Interactions</a:t>
-            </a:r>
-            <a:endParaRPr sz="3067" dirty="0">
-              <a:latin typeface="Roboto Medium"/>
-              <a:ea typeface="Roboto Medium"/>
-              <a:cs typeface="Roboto Medium"/>
-              <a:sym typeface="Roboto Medium"/>
-            </a:endParaRPr>
-          </a:p>
-        </p:txBody>
-      </p:sp>
-      <p:sp>
-        <p:nvSpPr>
-          <p:cNvPr id="6" name="Rectangle 5">
-            <a:extLst>
-              <a:ext uri="{FF2B5EF4-FFF2-40B4-BE49-F238E27FC236}">
-                <a16:creationId xmlns:a16="http://schemas.microsoft.com/office/drawing/2014/main" id="{7E26E8FB-5CDF-A9C2-62AB-B8EF12F5377E}"/>
-              </a:ext>
-            </a:extLst>
-          </p:cNvPr>
-          <p:cNvSpPr/>
-          <p:nvPr/>
-        </p:nvSpPr>
-        <p:spPr>
-          <a:xfrm>
-            <a:off x="0" y="4684029"/>
-            <a:ext cx="12192000" cy="1866837"/>
-          </a:xfrm>
-          <a:prstGeom prst="rect">
-            <a:avLst/>
-          </a:prstGeom>
-          <a:solidFill>
-            <a:srgbClr val="C09200">
-              <a:alpha val="49804"/>
-            </a:srgbClr>
-          </a:solidFill>
-          <a:ln>
-            <a:solidFill>
-              <a:srgbClr val="FFC000"/>
-            </a:solidFill>
-          </a:ln>
-        </p:spPr>
-        <p:style>
-          <a:lnRef idx="0">
-            <a:scrgbClr r="0" g="0" b="0"/>
-          </a:lnRef>
-          <a:fillRef idx="0">
-            <a:scrgbClr r="0" g="0" b="0"/>
-          </a:fillRef>
-          <a:effectRef idx="0">
-            <a:scrgbClr r="0" g="0" b="0"/>
-          </a:effectRef>
-          <a:fontRef idx="minor">
-            <a:schemeClr val="lt1"/>
-          </a:fontRef>
-        </p:style>
-        <p:txBody>
-          <a:bodyPr rtlCol="0" anchor="ctr"/>
-          <a:lstStyle/>
-          <a:p>
-            <a:pPr algn="ctr"/>
-            <a:endParaRPr lang="en-US"/>
-          </a:p>
-        </p:txBody>
-      </p:sp>
-      <p:pic>
-        <p:nvPicPr>
-          <p:cNvPr id="8" name="Picture 7" descr="A clock with a bell&#10;&#10;Description automatically generated">
-            <a:extLst>
-              <a:ext uri="{FF2B5EF4-FFF2-40B4-BE49-F238E27FC236}">
-                <a16:creationId xmlns:a16="http://schemas.microsoft.com/office/drawing/2014/main" id="{88A25E8B-E337-29D4-2624-D9E613FFDA2C}"/>
-              </a:ext>
-            </a:extLst>
-          </p:cNvPr>
-          <p:cNvPicPr>
-            <a:picLocks noChangeAspect="1"/>
-          </p:cNvPicPr>
-          <p:nvPr/>
-        </p:nvPicPr>
-        <p:blipFill>
-          <a:blip r:embed="rId3">
-            <a:extLst>
-              <a:ext uri="{28A0092B-C50C-407E-A947-70E740481C1C}">
-                <a14:useLocalDpi xmlns:a14="http://schemas.microsoft.com/office/drawing/2010/main" val="0"/>
-              </a:ext>
-            </a:extLst>
-          </a:blip>
-          <a:stretch>
-            <a:fillRect/>
-          </a:stretch>
-        </p:blipFill>
-        <p:spPr>
-          <a:xfrm>
-            <a:off x="10576776" y="4730288"/>
-            <a:ext cx="1474424" cy="1474424"/>
-          </a:xfrm>
-          <a:prstGeom prst="rect">
-            <a:avLst/>
-          </a:prstGeom>
-        </p:spPr>
-      </p:pic>
-      <p:sp>
-        <p:nvSpPr>
-          <p:cNvPr id="9" name="TextBox 8">
-            <a:extLst>
-              <a:ext uri="{FF2B5EF4-FFF2-40B4-BE49-F238E27FC236}">
-                <a16:creationId xmlns:a16="http://schemas.microsoft.com/office/drawing/2014/main" id="{78A1C98C-CBF1-4DF3-3F11-519189FD83DE}"/>
-              </a:ext>
-            </a:extLst>
-          </p:cNvPr>
-          <p:cNvSpPr txBox="1"/>
-          <p:nvPr/>
-        </p:nvSpPr>
-        <p:spPr>
-          <a:xfrm>
-            <a:off x="7881257" y="5076100"/>
-            <a:ext cx="2628119" cy="461665"/>
-          </a:xfrm>
-          <a:prstGeom prst="rect">
-            <a:avLst/>
-          </a:prstGeom>
-          <a:noFill/>
-        </p:spPr>
-        <p:txBody>
-          <a:bodyPr wrap="square" rtlCol="0">
-            <a:spAutoFit/>
-          </a:bodyPr>
-          <a:lstStyle/>
-          <a:p>
-            <a:r>
-              <a:rPr lang="en-US" sz="2400" b="1" dirty="0"/>
-              <a:t>Suggested Time:</a:t>
-            </a:r>
-          </a:p>
-        </p:txBody>
-      </p:sp>
-      <p:sp>
-        <p:nvSpPr>
-          <p:cNvPr id="10" name="TextBox 9">
-            <a:extLst>
-              <a:ext uri="{FF2B5EF4-FFF2-40B4-BE49-F238E27FC236}">
-                <a16:creationId xmlns:a16="http://schemas.microsoft.com/office/drawing/2014/main" id="{AB896F87-EB2A-AA3D-0D4B-F4A66B100DCD}"/>
-              </a:ext>
-            </a:extLst>
-          </p:cNvPr>
-          <p:cNvSpPr txBox="1"/>
-          <p:nvPr/>
-        </p:nvSpPr>
-        <p:spPr>
-          <a:xfrm>
-            <a:off x="8666492" y="5567098"/>
-            <a:ext cx="2597547" cy="400110"/>
-          </a:xfrm>
-          <a:prstGeom prst="rect">
-            <a:avLst/>
-          </a:prstGeom>
-          <a:noFill/>
-        </p:spPr>
-        <p:txBody>
-          <a:bodyPr wrap="square" rtlCol="0">
-            <a:spAutoFit/>
-          </a:bodyPr>
-          <a:lstStyle/>
-          <a:p>
-            <a:r>
-              <a:rPr lang="en-US" sz="2000" dirty="0"/>
-              <a:t>20 minutes </a:t>
-            </a:r>
-          </a:p>
-        </p:txBody>
-      </p:sp>
-      <p:pic>
-        <p:nvPicPr>
-          <p:cNvPr id="12" name="Picture 11" descr="A person standing in front of a board&#10;&#10;Description automatically generated">
-            <a:extLst>
-              <a:ext uri="{FF2B5EF4-FFF2-40B4-BE49-F238E27FC236}">
-                <a16:creationId xmlns:a16="http://schemas.microsoft.com/office/drawing/2014/main" id="{BDD304A6-4CD0-33A5-D245-AA55A57929C7}"/>
-              </a:ext>
-            </a:extLst>
-          </p:cNvPr>
-          <p:cNvPicPr>
-            <a:picLocks noChangeAspect="1"/>
-          </p:cNvPicPr>
-          <p:nvPr/>
-        </p:nvPicPr>
-        <p:blipFill>
-          <a:blip r:embed="rId4">
-            <a:extLst>
-              <a:ext uri="{28A0092B-C50C-407E-A947-70E740481C1C}">
-                <a14:useLocalDpi xmlns:a14="http://schemas.microsoft.com/office/drawing/2010/main" val="0"/>
-              </a:ext>
-            </a:extLst>
-          </a:blip>
-          <a:stretch>
-            <a:fillRect/>
-          </a:stretch>
-        </p:blipFill>
-        <p:spPr>
-          <a:xfrm>
-            <a:off x="0" y="616991"/>
-            <a:ext cx="3977456" cy="4067038"/>
-          </a:xfrm>
-          <a:prstGeom prst="rect">
-            <a:avLst/>
-          </a:prstGeom>
-        </p:spPr>
-      </p:pic>
-    </p:spTree>
-    <p:extLst>
-      <p:ext uri="{BB962C8B-B14F-4D97-AF65-F5344CB8AC3E}">
-        <p14:creationId xmlns:p14="http://schemas.microsoft.com/office/powerpoint/2010/main" val="3915742284"/>
-      </p:ext>
-    </p:extLst>
-  </p:cSld>
-  <p:clrMapOvr>
-    <a:masterClrMapping/>
-  </p:clrMapOvr>
-</p:sld>
-</file>
-
-<file path=ppt/slides/slide19.xml><?xml version="1.0" encoding="utf-8"?>
-<p:sld xmlns:a="http://schemas.openxmlformats.org/drawingml/2006/main" xmlns:r="http://schemas.openxmlformats.org/officeDocument/2006/relationships" xmlns:p="http://schemas.openxmlformats.org/presentationml/2006/main">
-  <p:cSld>
-    <p:spTree>
-      <p:nvGrpSpPr>
-        <p:cNvPr id="1" name="Shape 5977"/>
-        <p:cNvGrpSpPr/>
-        <p:nvPr/>
-      </p:nvGrpSpPr>
-      <p:grpSpPr>
-        <a:xfrm>
-          <a:off x="0" y="0"/>
-          <a:ext cx="0" cy="0"/>
-          <a:chOff x="0" y="0"/>
-          <a:chExt cx="0" cy="0"/>
-        </a:xfrm>
-      </p:grpSpPr>
-      <p:sp>
-        <p:nvSpPr>
-          <p:cNvPr id="5978" name="Google Shape;5978;p393"/>
-          <p:cNvSpPr txBox="1">
-            <a:spLocks noGrp="1"/>
-          </p:cNvSpPr>
-          <p:nvPr>
-            <p:ph type="title"/>
-          </p:nvPr>
-        </p:nvSpPr>
-        <p:spPr>
-          <a:prstGeom prst="rect">
-            <a:avLst/>
-          </a:prstGeom>
-        </p:spPr>
-        <p:txBody>
-          <a:bodyPr spcFirstLastPara="1" vert="horz" wrap="square" lIns="609600" tIns="12167" rIns="1341100" bIns="0" rtlCol="0" anchor="t" anchorCtr="0">
-            <a:noAutofit/>
-          </a:bodyPr>
-          <a:lstStyle/>
-          <a:p>
-            <a:r>
-              <a:rPr lang="en" dirty="0"/>
-              <a:t>  10 Minutes</a:t>
-            </a:r>
-            <a:endParaRPr dirty="0"/>
-          </a:p>
-        </p:txBody>
-      </p:sp>
-      <p:sp>
-        <p:nvSpPr>
-          <p:cNvPr id="5979" name="Google Shape;5979;p393"/>
-          <p:cNvSpPr txBox="1">
-            <a:spLocks noGrp="1"/>
-          </p:cNvSpPr>
-          <p:nvPr>
-            <p:ph type="sldNum" idx="12"/>
-          </p:nvPr>
-        </p:nvSpPr>
-        <p:spPr>
-          <a:prstGeom prst="rect">
-            <a:avLst/>
-          </a:prstGeom>
-        </p:spPr>
-        <p:txBody>
-          <a:bodyPr spcFirstLastPara="1" vert="horz" wrap="square" lIns="0" tIns="0" rIns="0" bIns="121900" rtlCol="0" anchor="t" anchorCtr="0">
-            <a:noAutofit/>
-          </a:bodyPr>
-          <a:lstStyle/>
-          <a:p>
-            <a:fld id="{00000000-1234-1234-1234-123412341234}" type="slidenum">
-              <a:rPr lang="en"/>
-              <a:pPr/>
-              <a:t>19</a:t>
-            </a:fld>
-            <a:endParaRPr/>
-          </a:p>
-        </p:txBody>
-      </p:sp>
-      <p:sp>
-        <p:nvSpPr>
-          <p:cNvPr id="5981" name="Google Shape;5981;p393"/>
-          <p:cNvSpPr txBox="1">
-            <a:spLocks noGrp="1"/>
-          </p:cNvSpPr>
-          <p:nvPr>
-            <p:ph type="title" idx="2"/>
-          </p:nvPr>
-        </p:nvSpPr>
-        <p:spPr>
-          <a:xfrm>
             <a:off x="365200" y="1390500"/>
             <a:ext cx="11686000" cy="3685600"/>
           </a:xfrm>
@@ -11024,6 +9892,72 @@
     <p:extLst>
       <p:ext uri="{BB962C8B-B14F-4D97-AF65-F5344CB8AC3E}">
         <p14:creationId xmlns:p14="http://schemas.microsoft.com/office/powerpoint/2010/main" val="1918344858"/>
+      </p:ext>
+    </p:extLst>
+  </p:cSld>
+  <p:clrMapOvr>
+    <a:masterClrMapping/>
+  </p:clrMapOvr>
+</p:sld>
+</file>
+
+<file path=ppt/slides/slide19.xml><?xml version="1.0" encoding="utf-8"?>
+<p:sld xmlns:a="http://schemas.openxmlformats.org/drawingml/2006/main" xmlns:r="http://schemas.openxmlformats.org/officeDocument/2006/relationships" xmlns:p="http://schemas.openxmlformats.org/presentationml/2006/main">
+  <p:cSld>
+    <p:spTree>
+      <p:nvGrpSpPr>
+        <p:cNvPr id="1" name=""/>
+        <p:cNvGrpSpPr/>
+        <p:nvPr/>
+      </p:nvGrpSpPr>
+      <p:grpSpPr>
+        <a:xfrm>
+          <a:off x="0" y="0"/>
+          <a:ext cx="0" cy="0"/>
+          <a:chOff x="0" y="0"/>
+          <a:chExt cx="0" cy="0"/>
+        </a:xfrm>
+      </p:grpSpPr>
+      <p:pic>
+        <p:nvPicPr>
+          <p:cNvPr id="6" name="Picture 5" descr="A stopwatch with a red ribbon&#10;&#10;Description automatically generated">
+            <a:extLst>
+              <a:ext uri="{FF2B5EF4-FFF2-40B4-BE49-F238E27FC236}">
+                <a16:creationId xmlns:a16="http://schemas.microsoft.com/office/drawing/2014/main" id="{DDB0DF0C-8F35-45FA-48E7-21E8F1DDEC5F}"/>
+              </a:ext>
+            </a:extLst>
+          </p:cNvPr>
+          <p:cNvPicPr>
+            <a:picLocks noChangeAspect="1"/>
+          </p:cNvPicPr>
+          <p:nvPr/>
+        </p:nvPicPr>
+        <p:blipFill>
+          <a:blip r:embed="rId2">
+            <a:extLst>
+              <a:ext uri="{28A0092B-C50C-407E-A947-70E740481C1C}">
+                <a14:useLocalDpi xmlns:a14="http://schemas.microsoft.com/office/drawing/2010/main" val="0"/>
+              </a:ext>
+            </a:extLst>
+          </a:blip>
+          <a:stretch>
+            <a:fillRect/>
+          </a:stretch>
+        </p:blipFill>
+        <p:spPr>
+          <a:xfrm>
+            <a:off x="2779889" y="643466"/>
+            <a:ext cx="6632221" cy="5571067"/>
+          </a:xfrm>
+          <a:prstGeom prst="rect">
+            <a:avLst/>
+          </a:prstGeom>
+        </p:spPr>
+      </p:pic>
+    </p:spTree>
+    <p:extLst>
+      <p:ext uri="{BB962C8B-B14F-4D97-AF65-F5344CB8AC3E}">
+        <p14:creationId xmlns:p14="http://schemas.microsoft.com/office/powerpoint/2010/main" val="2588826808"/>
       </p:ext>
     </p:extLst>
   </p:cSld>
@@ -11351,10 +10285,10 @@
       </p:grpSpPr>
       <p:pic>
         <p:nvPicPr>
-          <p:cNvPr id="6" name="Picture 5" descr="A stopwatch with a red ribbon&#10;&#10;Description automatically generated">
+          <p:cNvPr id="6" name="Picture 5" descr="A yellow bar chart with black background&#10;&#10;Description automatically generated">
             <a:extLst>
               <a:ext uri="{FF2B5EF4-FFF2-40B4-BE49-F238E27FC236}">
-                <a16:creationId xmlns:a16="http://schemas.microsoft.com/office/drawing/2014/main" id="{DDB0DF0C-8F35-45FA-48E7-21E8F1DDEC5F}"/>
+                <a16:creationId xmlns:a16="http://schemas.microsoft.com/office/drawing/2014/main" id="{1780E563-1659-D578-EFB5-005558FB9683}"/>
               </a:ext>
             </a:extLst>
           </p:cNvPr>
@@ -11377,18 +10311,69 @@
         </p:blipFill>
         <p:spPr>
           <a:xfrm>
-            <a:off x="2779889" y="643466"/>
-            <a:ext cx="6632221" cy="5571067"/>
+            <a:off x="2481943" y="2694214"/>
+            <a:ext cx="7402286" cy="4163786"/>
           </a:xfrm>
           <a:prstGeom prst="rect">
             <a:avLst/>
           </a:prstGeom>
         </p:spPr>
       </p:pic>
+      <p:sp>
+        <p:nvSpPr>
+          <p:cNvPr id="7" name="Rectangle 6">
+            <a:extLst>
+              <a:ext uri="{FF2B5EF4-FFF2-40B4-BE49-F238E27FC236}">
+                <a16:creationId xmlns:a16="http://schemas.microsoft.com/office/drawing/2014/main" id="{ADCA45DE-0E5A-2BCE-8D6A-969F4E4DAD2D}"/>
+              </a:ext>
+            </a:extLst>
+          </p:cNvPr>
+          <p:cNvSpPr/>
+          <p:nvPr/>
+        </p:nvSpPr>
+        <p:spPr>
+          <a:xfrm>
+            <a:off x="1891544" y="1062335"/>
+            <a:ext cx="8909682" cy="923330"/>
+          </a:xfrm>
+          <a:prstGeom prst="rect">
+            <a:avLst/>
+          </a:prstGeom>
+          <a:noFill/>
+        </p:spPr>
+        <p:txBody>
+          <a:bodyPr wrap="none" lIns="91440" tIns="45720" rIns="91440" bIns="45720">
+            <a:spAutoFit/>
+          </a:bodyPr>
+          <a:lstStyle/>
+          <a:p>
+            <a:pPr algn="ctr"/>
+            <a:r>
+              <a:rPr lang="en-US" sz="5400" b="1" dirty="0">
+                <a:ln w="12700">
+                  <a:solidFill>
+                    <a:srgbClr val="FFC000"/>
+                  </a:solidFill>
+                  <a:prstDash val="solid"/>
+                </a:ln>
+                <a:solidFill>
+                  <a:srgbClr val="FFC000"/>
+                </a:solidFill>
+                <a:effectLst>
+                  <a:outerShdw dist="38100" dir="2640000" algn="bl" rotWithShape="0">
+                    <a:schemeClr val="accent1"/>
+                  </a:outerShdw>
+                </a:effectLst>
+              </a:rPr>
+              <a:t>Drill down in a visualization </a:t>
+            </a:r>
+          </a:p>
+        </p:txBody>
+      </p:sp>
     </p:spTree>
     <p:extLst>
       <p:ext uri="{BB962C8B-B14F-4D97-AF65-F5344CB8AC3E}">
-        <p14:creationId xmlns:p14="http://schemas.microsoft.com/office/powerpoint/2010/main" val="2588826808"/>
+        <p14:creationId xmlns:p14="http://schemas.microsoft.com/office/powerpoint/2010/main" val="1387513568"/>
       </p:ext>
     </p:extLst>
   </p:cSld>
@@ -11417,10 +10402,10 @@
       </p:grpSpPr>
       <p:pic>
         <p:nvPicPr>
-          <p:cNvPr id="6" name="Picture 5" descr="A yellow bar chart with black background&#10;&#10;Description automatically generated">
+          <p:cNvPr id="6" name="Picture 5" descr="A screenshot of a computer&#10;&#10;Description automatically generated">
             <a:extLst>
               <a:ext uri="{FF2B5EF4-FFF2-40B4-BE49-F238E27FC236}">
-                <a16:creationId xmlns:a16="http://schemas.microsoft.com/office/drawing/2014/main" id="{1780E563-1659-D578-EFB5-005558FB9683}"/>
+                <a16:creationId xmlns:a16="http://schemas.microsoft.com/office/drawing/2014/main" id="{1E32EE90-F2A6-0CDB-696A-47F9765B9F32}"/>
               </a:ext>
             </a:extLst>
           </p:cNvPr>
@@ -11443,69 +10428,18 @@
         </p:blipFill>
         <p:spPr>
           <a:xfrm>
-            <a:off x="2481943" y="2694214"/>
-            <a:ext cx="7402286" cy="4163786"/>
+            <a:off x="453735" y="768213"/>
+            <a:ext cx="11284530" cy="5321573"/>
           </a:xfrm>
           <a:prstGeom prst="rect">
             <a:avLst/>
           </a:prstGeom>
         </p:spPr>
       </p:pic>
-      <p:sp>
-        <p:nvSpPr>
-          <p:cNvPr id="7" name="Rectangle 6">
-            <a:extLst>
-              <a:ext uri="{FF2B5EF4-FFF2-40B4-BE49-F238E27FC236}">
-                <a16:creationId xmlns:a16="http://schemas.microsoft.com/office/drawing/2014/main" id="{ADCA45DE-0E5A-2BCE-8D6A-969F4E4DAD2D}"/>
-              </a:ext>
-            </a:extLst>
-          </p:cNvPr>
-          <p:cNvSpPr/>
-          <p:nvPr/>
-        </p:nvSpPr>
-        <p:spPr>
-          <a:xfrm>
-            <a:off x="1891544" y="1062335"/>
-            <a:ext cx="8909682" cy="923330"/>
-          </a:xfrm>
-          <a:prstGeom prst="rect">
-            <a:avLst/>
-          </a:prstGeom>
-          <a:noFill/>
-        </p:spPr>
-        <p:txBody>
-          <a:bodyPr wrap="none" lIns="91440" tIns="45720" rIns="91440" bIns="45720">
-            <a:spAutoFit/>
-          </a:bodyPr>
-          <a:lstStyle/>
-          <a:p>
-            <a:pPr algn="ctr"/>
-            <a:r>
-              <a:rPr lang="en-US" sz="5400" b="1" dirty="0">
-                <a:ln w="12700">
-                  <a:solidFill>
-                    <a:srgbClr val="FFC000"/>
-                  </a:solidFill>
-                  <a:prstDash val="solid"/>
-                </a:ln>
-                <a:solidFill>
-                  <a:srgbClr val="FFC000"/>
-                </a:solidFill>
-                <a:effectLst>
-                  <a:outerShdw dist="38100" dir="2640000" algn="bl" rotWithShape="0">
-                    <a:schemeClr val="accent1"/>
-                  </a:outerShdw>
-                </a:effectLst>
-              </a:rPr>
-              <a:t>Drill down in a visualization </a:t>
-            </a:r>
-          </a:p>
-        </p:txBody>
-      </p:sp>
     </p:spTree>
     <p:extLst>
       <p:ext uri="{BB962C8B-B14F-4D97-AF65-F5344CB8AC3E}">
-        <p14:creationId xmlns:p14="http://schemas.microsoft.com/office/powerpoint/2010/main" val="1387513568"/>
+        <p14:creationId xmlns:p14="http://schemas.microsoft.com/office/powerpoint/2010/main" val="997231064"/>
       </p:ext>
     </p:extLst>
   </p:cSld>
@@ -11537,7 +10471,7 @@
           <p:cNvPr id="6" name="Picture 5" descr="A screenshot of a computer&#10;&#10;Description automatically generated">
             <a:extLst>
               <a:ext uri="{FF2B5EF4-FFF2-40B4-BE49-F238E27FC236}">
-                <a16:creationId xmlns:a16="http://schemas.microsoft.com/office/drawing/2014/main" id="{1E32EE90-F2A6-0CDB-696A-47F9765B9F32}"/>
+                <a16:creationId xmlns:a16="http://schemas.microsoft.com/office/drawing/2014/main" id="{9966ECDD-1D4C-950B-AF04-DE35829C2F8F}"/>
               </a:ext>
             </a:extLst>
           </p:cNvPr>
@@ -11560,8 +10494,8 @@
         </p:blipFill>
         <p:spPr>
           <a:xfrm>
-            <a:off x="453735" y="768213"/>
-            <a:ext cx="11284530" cy="5321573"/>
+            <a:off x="206072" y="542776"/>
+            <a:ext cx="11779855" cy="5772447"/>
           </a:xfrm>
           <a:prstGeom prst="rect">
             <a:avLst/>
@@ -11571,7 +10505,7 @@
     </p:spTree>
     <p:extLst>
       <p:ext uri="{BB962C8B-B14F-4D97-AF65-F5344CB8AC3E}">
-        <p14:creationId xmlns:p14="http://schemas.microsoft.com/office/powerpoint/2010/main" val="997231064"/>
+        <p14:creationId xmlns:p14="http://schemas.microsoft.com/office/powerpoint/2010/main" val="4208587483"/>
       </p:ext>
     </p:extLst>
   </p:cSld>
@@ -11586,7 +10520,7 @@
   <p:cSld>
     <p:spTree>
       <p:nvGrpSpPr>
-        <p:cNvPr id="1" name=""/>
+        <p:cNvPr id="1" name="Shape 5977"/>
         <p:cNvGrpSpPr/>
         <p:nvPr/>
       </p:nvGrpSpPr>
@@ -11598,12 +10532,177 @@
           <a:chExt cx="0" cy="0"/>
         </a:xfrm>
       </p:grpSpPr>
+      <p:sp>
+        <p:nvSpPr>
+          <p:cNvPr id="5978" name="Google Shape;5978;p393"/>
+          <p:cNvSpPr txBox="1">
+            <a:spLocks noGrp="1"/>
+          </p:cNvSpPr>
+          <p:nvPr>
+            <p:ph type="title"/>
+          </p:nvPr>
+        </p:nvSpPr>
+        <p:spPr>
+          <a:prstGeom prst="rect">
+            <a:avLst/>
+          </a:prstGeom>
+        </p:spPr>
+        <p:txBody>
+          <a:bodyPr spcFirstLastPara="1" vert="horz" wrap="square" lIns="609600" tIns="12167" rIns="1341100" bIns="0" rtlCol="0" anchor="t" anchorCtr="0">
+            <a:noAutofit/>
+          </a:bodyPr>
+          <a:lstStyle/>
+          <a:p>
+            <a:r>
+              <a:rPr lang="en" dirty="0"/>
+              <a:t>  10 Minutes</a:t>
+            </a:r>
+            <a:endParaRPr dirty="0"/>
+          </a:p>
+        </p:txBody>
+      </p:sp>
+      <p:sp>
+        <p:nvSpPr>
+          <p:cNvPr id="5979" name="Google Shape;5979;p393"/>
+          <p:cNvSpPr txBox="1">
+            <a:spLocks noGrp="1"/>
+          </p:cNvSpPr>
+          <p:nvPr>
+            <p:ph type="sldNum" idx="12"/>
+          </p:nvPr>
+        </p:nvSpPr>
+        <p:spPr>
+          <a:prstGeom prst="rect">
+            <a:avLst/>
+          </a:prstGeom>
+        </p:spPr>
+        <p:txBody>
+          <a:bodyPr spcFirstLastPara="1" vert="horz" wrap="square" lIns="0" tIns="0" rIns="0" bIns="121900" rtlCol="0" anchor="t" anchorCtr="0">
+            <a:noAutofit/>
+          </a:bodyPr>
+          <a:lstStyle/>
+          <a:p>
+            <a:fld id="{00000000-1234-1234-1234-123412341234}" type="slidenum">
+              <a:rPr lang="en"/>
+              <a:pPr/>
+              <a:t>23</a:t>
+            </a:fld>
+            <a:endParaRPr/>
+          </a:p>
+        </p:txBody>
+      </p:sp>
+      <p:sp>
+        <p:nvSpPr>
+          <p:cNvPr id="5981" name="Google Shape;5981;p393"/>
+          <p:cNvSpPr txBox="1">
+            <a:spLocks noGrp="1"/>
+          </p:cNvSpPr>
+          <p:nvPr>
+            <p:ph type="title" idx="2"/>
+          </p:nvPr>
+        </p:nvSpPr>
+        <p:spPr>
+          <a:xfrm>
+            <a:off x="849087" y="1441021"/>
+            <a:ext cx="11202114" cy="1465899"/>
+          </a:xfrm>
+          <a:prstGeom prst="rect">
+            <a:avLst/>
+          </a:prstGeom>
+        </p:spPr>
+        <p:txBody>
+          <a:bodyPr spcFirstLastPara="1" vert="horz" wrap="square" lIns="3413733" tIns="0" rIns="609600" bIns="609600" rtlCol="0" anchor="t" anchorCtr="0">
+            <a:noAutofit/>
+          </a:bodyPr>
+          <a:lstStyle/>
+          <a:p>
+            <a:pPr>
+              <a:buClr>
+                <a:schemeClr val="dk1"/>
+              </a:buClr>
+              <a:buSzPts val="1100"/>
+            </a:pPr>
+            <a:r>
+              <a:rPr lang="en-US" sz="3067" b="1" dirty="0"/>
+              <a:t>Instructor Demonstration</a:t>
+            </a:r>
+            <a:r>
+              <a:rPr lang="en" sz="3067" b="1" dirty="0"/>
+              <a:t>: </a:t>
+            </a:r>
+            <a:r>
+              <a:rPr lang="en-US" sz="3067" b="1" dirty="0"/>
+              <a:t>Report filter and Interactions</a:t>
+            </a:r>
+            <a:endParaRPr sz="3067" dirty="0">
+              <a:latin typeface="Roboto Medium"/>
+              <a:ea typeface="Roboto Medium"/>
+              <a:cs typeface="Roboto Medium"/>
+              <a:sym typeface="Roboto Medium"/>
+            </a:endParaRPr>
+          </a:p>
+        </p:txBody>
+      </p:sp>
+      <p:sp>
+        <p:nvSpPr>
+          <p:cNvPr id="6" name="Rectangle 5">
+            <a:extLst>
+              <a:ext uri="{FF2B5EF4-FFF2-40B4-BE49-F238E27FC236}">
+                <a16:creationId xmlns:a16="http://schemas.microsoft.com/office/drawing/2014/main" id="{7E26E8FB-5CDF-A9C2-62AB-B8EF12F5377E}"/>
+              </a:ext>
+            </a:extLst>
+          </p:cNvPr>
+          <p:cNvSpPr/>
+          <p:nvPr/>
+        </p:nvSpPr>
+        <p:spPr>
+          <a:xfrm>
+            <a:off x="0" y="4684029"/>
+            <a:ext cx="12192000" cy="1866837"/>
+          </a:xfrm>
+          <a:prstGeom prst="rect">
+            <a:avLst/>
+          </a:prstGeom>
+          <a:solidFill>
+            <a:srgbClr val="C09200">
+              <a:alpha val="49804"/>
+            </a:srgbClr>
+          </a:solidFill>
+          <a:ln>
+            <a:solidFill>
+              <a:srgbClr val="FFC000"/>
+            </a:solidFill>
+          </a:ln>
+        </p:spPr>
+        <p:style>
+          <a:lnRef idx="0">
+            <a:scrgbClr r="0" g="0" b="0"/>
+          </a:lnRef>
+          <a:fillRef idx="0">
+            <a:scrgbClr r="0" g="0" b="0"/>
+          </a:fillRef>
+          <a:effectRef idx="0">
+            <a:scrgbClr r="0" g="0" b="0"/>
+          </a:effectRef>
+          <a:fontRef idx="minor">
+            <a:schemeClr val="lt1"/>
+          </a:fontRef>
+        </p:style>
+        <p:txBody>
+          <a:bodyPr rtlCol="0" anchor="ctr"/>
+          <a:lstStyle/>
+          <a:p>
+            <a:pPr algn="ctr"/>
+            <a:endParaRPr lang="en-US"/>
+          </a:p>
+        </p:txBody>
+      </p:sp>
       <p:pic>
         <p:nvPicPr>
-          <p:cNvPr id="6" name="Picture 5" descr="A screenshot of a computer&#10;&#10;Description automatically generated">
+          <p:cNvPr id="8" name="Picture 7" descr="A clock with a bell&#10;&#10;Description automatically generated">
             <a:extLst>
               <a:ext uri="{FF2B5EF4-FFF2-40B4-BE49-F238E27FC236}">
-                <a16:creationId xmlns:a16="http://schemas.microsoft.com/office/drawing/2014/main" id="{9966ECDD-1D4C-950B-AF04-DE35829C2F8F}"/>
+                <a16:creationId xmlns:a16="http://schemas.microsoft.com/office/drawing/2014/main" id="{88A25E8B-E337-29D4-2624-D9E613FFDA2C}"/>
               </a:ext>
             </a:extLst>
           </p:cNvPr>
@@ -11613,7 +10712,7 @@
           <p:nvPr/>
         </p:nvPicPr>
         <p:blipFill>
-          <a:blip r:embed="rId2">
+          <a:blip r:embed="rId3">
             <a:extLst>
               <a:ext uri="{28A0092B-C50C-407E-A947-70E740481C1C}">
                 <a14:useLocalDpi xmlns:a14="http://schemas.microsoft.com/office/drawing/2010/main" val="0"/>
@@ -11626,8 +10725,114 @@
         </p:blipFill>
         <p:spPr>
           <a:xfrm>
-            <a:off x="206072" y="542776"/>
-            <a:ext cx="11779855" cy="5772447"/>
+            <a:off x="10576776" y="4730288"/>
+            <a:ext cx="1474424" cy="1474424"/>
+          </a:xfrm>
+          <a:prstGeom prst="rect">
+            <a:avLst/>
+          </a:prstGeom>
+        </p:spPr>
+      </p:pic>
+      <p:sp>
+        <p:nvSpPr>
+          <p:cNvPr id="9" name="TextBox 8">
+            <a:extLst>
+              <a:ext uri="{FF2B5EF4-FFF2-40B4-BE49-F238E27FC236}">
+                <a16:creationId xmlns:a16="http://schemas.microsoft.com/office/drawing/2014/main" id="{78A1C98C-CBF1-4DF3-3F11-519189FD83DE}"/>
+              </a:ext>
+            </a:extLst>
+          </p:cNvPr>
+          <p:cNvSpPr txBox="1"/>
+          <p:nvPr/>
+        </p:nvSpPr>
+        <p:spPr>
+          <a:xfrm>
+            <a:off x="7881257" y="5076100"/>
+            <a:ext cx="2628119" cy="461665"/>
+          </a:xfrm>
+          <a:prstGeom prst="rect">
+            <a:avLst/>
+          </a:prstGeom>
+          <a:noFill/>
+        </p:spPr>
+        <p:txBody>
+          <a:bodyPr wrap="square" rtlCol="0">
+            <a:spAutoFit/>
+          </a:bodyPr>
+          <a:lstStyle/>
+          <a:p>
+            <a:r>
+              <a:rPr lang="en-US" sz="2400" b="1" dirty="0"/>
+              <a:t>Suggested Time:</a:t>
+            </a:r>
+          </a:p>
+        </p:txBody>
+      </p:sp>
+      <p:sp>
+        <p:nvSpPr>
+          <p:cNvPr id="10" name="TextBox 9">
+            <a:extLst>
+              <a:ext uri="{FF2B5EF4-FFF2-40B4-BE49-F238E27FC236}">
+                <a16:creationId xmlns:a16="http://schemas.microsoft.com/office/drawing/2014/main" id="{AB896F87-EB2A-AA3D-0D4B-F4A66B100DCD}"/>
+              </a:ext>
+            </a:extLst>
+          </p:cNvPr>
+          <p:cNvSpPr txBox="1"/>
+          <p:nvPr/>
+        </p:nvSpPr>
+        <p:spPr>
+          <a:xfrm>
+            <a:off x="8666492" y="5567098"/>
+            <a:ext cx="2597547" cy="400110"/>
+          </a:xfrm>
+          <a:prstGeom prst="rect">
+            <a:avLst/>
+          </a:prstGeom>
+          <a:noFill/>
+        </p:spPr>
+        <p:txBody>
+          <a:bodyPr wrap="square" rtlCol="0">
+            <a:spAutoFit/>
+          </a:bodyPr>
+          <a:lstStyle/>
+          <a:p>
+            <a:r>
+              <a:rPr lang="en-US" sz="2000" dirty="0"/>
+              <a:t>20 minutes </a:t>
+            </a:r>
+          </a:p>
+        </p:txBody>
+      </p:sp>
+      <p:pic>
+        <p:nvPicPr>
+          <p:cNvPr id="12" name="Picture 11" descr="A person standing in front of a board&#10;&#10;Description automatically generated">
+            <a:extLst>
+              <a:ext uri="{FF2B5EF4-FFF2-40B4-BE49-F238E27FC236}">
+                <a16:creationId xmlns:a16="http://schemas.microsoft.com/office/drawing/2014/main" id="{BDD304A6-4CD0-33A5-D245-AA55A57929C7}"/>
+              </a:ext>
+            </a:extLst>
+          </p:cNvPr>
+          <p:cNvPicPr>
+            <a:picLocks noChangeAspect="1"/>
+          </p:cNvPicPr>
+          <p:nvPr/>
+        </p:nvPicPr>
+        <p:blipFill>
+          <a:blip r:embed="rId4">
+            <a:extLst>
+              <a:ext uri="{28A0092B-C50C-407E-A947-70E740481C1C}">
+                <a14:useLocalDpi xmlns:a14="http://schemas.microsoft.com/office/drawing/2010/main" val="0"/>
+              </a:ext>
+            </a:extLst>
+          </a:blip>
+          <a:stretch>
+            <a:fillRect/>
+          </a:stretch>
+        </p:blipFill>
+        <p:spPr>
+          <a:xfrm>
+            <a:off x="0" y="616991"/>
+            <a:ext cx="3977456" cy="4067038"/>
           </a:xfrm>
           <a:prstGeom prst="rect">
             <a:avLst/>
@@ -11637,7 +10842,7 @@
     </p:spTree>
     <p:extLst>
       <p:ext uri="{BB962C8B-B14F-4D97-AF65-F5344CB8AC3E}">
-        <p14:creationId xmlns:p14="http://schemas.microsoft.com/office/powerpoint/2010/main" val="4208587483"/>
+        <p14:creationId xmlns:p14="http://schemas.microsoft.com/office/powerpoint/2010/main" val="3332761765"/>
       </p:ext>
     </p:extLst>
   </p:cSld>
@@ -11735,343 +10940,6 @@
         </p:nvSpPr>
         <p:spPr>
           <a:xfrm>
-            <a:off x="849087" y="1441021"/>
-            <a:ext cx="11202114" cy="1465899"/>
-          </a:xfrm>
-          <a:prstGeom prst="rect">
-            <a:avLst/>
-          </a:prstGeom>
-        </p:spPr>
-        <p:txBody>
-          <a:bodyPr spcFirstLastPara="1" vert="horz" wrap="square" lIns="3413733" tIns="0" rIns="609600" bIns="609600" rtlCol="0" anchor="t" anchorCtr="0">
-            <a:noAutofit/>
-          </a:bodyPr>
-          <a:lstStyle/>
-          <a:p>
-            <a:pPr>
-              <a:buClr>
-                <a:schemeClr val="dk1"/>
-              </a:buClr>
-              <a:buSzPts val="1100"/>
-            </a:pPr>
-            <a:r>
-              <a:rPr lang="en-US" sz="3067" b="1" dirty="0"/>
-              <a:t>Instructor Demonstration</a:t>
-            </a:r>
-            <a:r>
-              <a:rPr lang="en" sz="3067" b="1" dirty="0"/>
-              <a:t>: </a:t>
-            </a:r>
-            <a:r>
-              <a:rPr lang="en-US" sz="3067" b="1" dirty="0"/>
-              <a:t>Report filter and Interactions</a:t>
-            </a:r>
-            <a:endParaRPr sz="3067" dirty="0">
-              <a:latin typeface="Roboto Medium"/>
-              <a:ea typeface="Roboto Medium"/>
-              <a:cs typeface="Roboto Medium"/>
-              <a:sym typeface="Roboto Medium"/>
-            </a:endParaRPr>
-          </a:p>
-        </p:txBody>
-      </p:sp>
-      <p:sp>
-        <p:nvSpPr>
-          <p:cNvPr id="6" name="Rectangle 5">
-            <a:extLst>
-              <a:ext uri="{FF2B5EF4-FFF2-40B4-BE49-F238E27FC236}">
-                <a16:creationId xmlns:a16="http://schemas.microsoft.com/office/drawing/2014/main" id="{7E26E8FB-5CDF-A9C2-62AB-B8EF12F5377E}"/>
-              </a:ext>
-            </a:extLst>
-          </p:cNvPr>
-          <p:cNvSpPr/>
-          <p:nvPr/>
-        </p:nvSpPr>
-        <p:spPr>
-          <a:xfrm>
-            <a:off x="0" y="4684029"/>
-            <a:ext cx="12192000" cy="1866837"/>
-          </a:xfrm>
-          <a:prstGeom prst="rect">
-            <a:avLst/>
-          </a:prstGeom>
-          <a:solidFill>
-            <a:srgbClr val="C09200">
-              <a:alpha val="49804"/>
-            </a:srgbClr>
-          </a:solidFill>
-          <a:ln>
-            <a:solidFill>
-              <a:srgbClr val="FFC000"/>
-            </a:solidFill>
-          </a:ln>
-        </p:spPr>
-        <p:style>
-          <a:lnRef idx="0">
-            <a:scrgbClr r="0" g="0" b="0"/>
-          </a:lnRef>
-          <a:fillRef idx="0">
-            <a:scrgbClr r="0" g="0" b="0"/>
-          </a:fillRef>
-          <a:effectRef idx="0">
-            <a:scrgbClr r="0" g="0" b="0"/>
-          </a:effectRef>
-          <a:fontRef idx="minor">
-            <a:schemeClr val="lt1"/>
-          </a:fontRef>
-        </p:style>
-        <p:txBody>
-          <a:bodyPr rtlCol="0" anchor="ctr"/>
-          <a:lstStyle/>
-          <a:p>
-            <a:pPr algn="ctr"/>
-            <a:endParaRPr lang="en-US"/>
-          </a:p>
-        </p:txBody>
-      </p:sp>
-      <p:pic>
-        <p:nvPicPr>
-          <p:cNvPr id="8" name="Picture 7" descr="A clock with a bell&#10;&#10;Description automatically generated">
-            <a:extLst>
-              <a:ext uri="{FF2B5EF4-FFF2-40B4-BE49-F238E27FC236}">
-                <a16:creationId xmlns:a16="http://schemas.microsoft.com/office/drawing/2014/main" id="{88A25E8B-E337-29D4-2624-D9E613FFDA2C}"/>
-              </a:ext>
-            </a:extLst>
-          </p:cNvPr>
-          <p:cNvPicPr>
-            <a:picLocks noChangeAspect="1"/>
-          </p:cNvPicPr>
-          <p:nvPr/>
-        </p:nvPicPr>
-        <p:blipFill>
-          <a:blip r:embed="rId3">
-            <a:extLst>
-              <a:ext uri="{28A0092B-C50C-407E-A947-70E740481C1C}">
-                <a14:useLocalDpi xmlns:a14="http://schemas.microsoft.com/office/drawing/2010/main" val="0"/>
-              </a:ext>
-            </a:extLst>
-          </a:blip>
-          <a:stretch>
-            <a:fillRect/>
-          </a:stretch>
-        </p:blipFill>
-        <p:spPr>
-          <a:xfrm>
-            <a:off x="10576776" y="4730288"/>
-            <a:ext cx="1474424" cy="1474424"/>
-          </a:xfrm>
-          <a:prstGeom prst="rect">
-            <a:avLst/>
-          </a:prstGeom>
-        </p:spPr>
-      </p:pic>
-      <p:sp>
-        <p:nvSpPr>
-          <p:cNvPr id="9" name="TextBox 8">
-            <a:extLst>
-              <a:ext uri="{FF2B5EF4-FFF2-40B4-BE49-F238E27FC236}">
-                <a16:creationId xmlns:a16="http://schemas.microsoft.com/office/drawing/2014/main" id="{78A1C98C-CBF1-4DF3-3F11-519189FD83DE}"/>
-              </a:ext>
-            </a:extLst>
-          </p:cNvPr>
-          <p:cNvSpPr txBox="1"/>
-          <p:nvPr/>
-        </p:nvSpPr>
-        <p:spPr>
-          <a:xfrm>
-            <a:off x="7881257" y="5076100"/>
-            <a:ext cx="2628119" cy="461665"/>
-          </a:xfrm>
-          <a:prstGeom prst="rect">
-            <a:avLst/>
-          </a:prstGeom>
-          <a:noFill/>
-        </p:spPr>
-        <p:txBody>
-          <a:bodyPr wrap="square" rtlCol="0">
-            <a:spAutoFit/>
-          </a:bodyPr>
-          <a:lstStyle/>
-          <a:p>
-            <a:r>
-              <a:rPr lang="en-US" sz="2400" b="1" dirty="0"/>
-              <a:t>Suggested Time:</a:t>
-            </a:r>
-          </a:p>
-        </p:txBody>
-      </p:sp>
-      <p:sp>
-        <p:nvSpPr>
-          <p:cNvPr id="10" name="TextBox 9">
-            <a:extLst>
-              <a:ext uri="{FF2B5EF4-FFF2-40B4-BE49-F238E27FC236}">
-                <a16:creationId xmlns:a16="http://schemas.microsoft.com/office/drawing/2014/main" id="{AB896F87-EB2A-AA3D-0D4B-F4A66B100DCD}"/>
-              </a:ext>
-            </a:extLst>
-          </p:cNvPr>
-          <p:cNvSpPr txBox="1"/>
-          <p:nvPr/>
-        </p:nvSpPr>
-        <p:spPr>
-          <a:xfrm>
-            <a:off x="8666492" y="5567098"/>
-            <a:ext cx="2597547" cy="400110"/>
-          </a:xfrm>
-          <a:prstGeom prst="rect">
-            <a:avLst/>
-          </a:prstGeom>
-          <a:noFill/>
-        </p:spPr>
-        <p:txBody>
-          <a:bodyPr wrap="square" rtlCol="0">
-            <a:spAutoFit/>
-          </a:bodyPr>
-          <a:lstStyle/>
-          <a:p>
-            <a:r>
-              <a:rPr lang="en-US" sz="2000" dirty="0"/>
-              <a:t>20 minutes </a:t>
-            </a:r>
-          </a:p>
-        </p:txBody>
-      </p:sp>
-      <p:pic>
-        <p:nvPicPr>
-          <p:cNvPr id="12" name="Picture 11" descr="A person standing in front of a board&#10;&#10;Description automatically generated">
-            <a:extLst>
-              <a:ext uri="{FF2B5EF4-FFF2-40B4-BE49-F238E27FC236}">
-                <a16:creationId xmlns:a16="http://schemas.microsoft.com/office/drawing/2014/main" id="{BDD304A6-4CD0-33A5-D245-AA55A57929C7}"/>
-              </a:ext>
-            </a:extLst>
-          </p:cNvPr>
-          <p:cNvPicPr>
-            <a:picLocks noChangeAspect="1"/>
-          </p:cNvPicPr>
-          <p:nvPr/>
-        </p:nvPicPr>
-        <p:blipFill>
-          <a:blip r:embed="rId4">
-            <a:extLst>
-              <a:ext uri="{28A0092B-C50C-407E-A947-70E740481C1C}">
-                <a14:useLocalDpi xmlns:a14="http://schemas.microsoft.com/office/drawing/2010/main" val="0"/>
-              </a:ext>
-            </a:extLst>
-          </a:blip>
-          <a:stretch>
-            <a:fillRect/>
-          </a:stretch>
-        </p:blipFill>
-        <p:spPr>
-          <a:xfrm>
-            <a:off x="0" y="616991"/>
-            <a:ext cx="3977456" cy="4067038"/>
-          </a:xfrm>
-          <a:prstGeom prst="rect">
-            <a:avLst/>
-          </a:prstGeom>
-        </p:spPr>
-      </p:pic>
-    </p:spTree>
-    <p:extLst>
-      <p:ext uri="{BB962C8B-B14F-4D97-AF65-F5344CB8AC3E}">
-        <p14:creationId xmlns:p14="http://schemas.microsoft.com/office/powerpoint/2010/main" val="3332761765"/>
-      </p:ext>
-    </p:extLst>
-  </p:cSld>
-  <p:clrMapOvr>
-    <a:masterClrMapping/>
-  </p:clrMapOvr>
-</p:sld>
-</file>
-
-<file path=ppt/slides/slide25.xml><?xml version="1.0" encoding="utf-8"?>
-<p:sld xmlns:a="http://schemas.openxmlformats.org/drawingml/2006/main" xmlns:r="http://schemas.openxmlformats.org/officeDocument/2006/relationships" xmlns:p="http://schemas.openxmlformats.org/presentationml/2006/main">
-  <p:cSld>
-    <p:spTree>
-      <p:nvGrpSpPr>
-        <p:cNvPr id="1" name="Shape 5977"/>
-        <p:cNvGrpSpPr/>
-        <p:nvPr/>
-      </p:nvGrpSpPr>
-      <p:grpSpPr>
-        <a:xfrm>
-          <a:off x="0" y="0"/>
-          <a:ext cx="0" cy="0"/>
-          <a:chOff x="0" y="0"/>
-          <a:chExt cx="0" cy="0"/>
-        </a:xfrm>
-      </p:grpSpPr>
-      <p:sp>
-        <p:nvSpPr>
-          <p:cNvPr id="5978" name="Google Shape;5978;p393"/>
-          <p:cNvSpPr txBox="1">
-            <a:spLocks noGrp="1"/>
-          </p:cNvSpPr>
-          <p:nvPr>
-            <p:ph type="title"/>
-          </p:nvPr>
-        </p:nvSpPr>
-        <p:spPr>
-          <a:prstGeom prst="rect">
-            <a:avLst/>
-          </a:prstGeom>
-        </p:spPr>
-        <p:txBody>
-          <a:bodyPr spcFirstLastPara="1" vert="horz" wrap="square" lIns="609600" tIns="12167" rIns="1341100" bIns="0" rtlCol="0" anchor="t" anchorCtr="0">
-            <a:noAutofit/>
-          </a:bodyPr>
-          <a:lstStyle/>
-          <a:p>
-            <a:r>
-              <a:rPr lang="en" dirty="0"/>
-              <a:t>  10 Minutes</a:t>
-            </a:r>
-            <a:endParaRPr dirty="0"/>
-          </a:p>
-        </p:txBody>
-      </p:sp>
-      <p:sp>
-        <p:nvSpPr>
-          <p:cNvPr id="5979" name="Google Shape;5979;p393"/>
-          <p:cNvSpPr txBox="1">
-            <a:spLocks noGrp="1"/>
-          </p:cNvSpPr>
-          <p:nvPr>
-            <p:ph type="sldNum" idx="12"/>
-          </p:nvPr>
-        </p:nvSpPr>
-        <p:spPr>
-          <a:prstGeom prst="rect">
-            <a:avLst/>
-          </a:prstGeom>
-        </p:spPr>
-        <p:txBody>
-          <a:bodyPr spcFirstLastPara="1" vert="horz" wrap="square" lIns="0" tIns="0" rIns="0" bIns="121900" rtlCol="0" anchor="t" anchorCtr="0">
-            <a:noAutofit/>
-          </a:bodyPr>
-          <a:lstStyle/>
-          <a:p>
-            <a:fld id="{00000000-1234-1234-1234-123412341234}" type="slidenum">
-              <a:rPr lang="en"/>
-              <a:pPr/>
-              <a:t>25</a:t>
-            </a:fld>
-            <a:endParaRPr/>
-          </a:p>
-        </p:txBody>
-      </p:sp>
-      <p:sp>
-        <p:nvSpPr>
-          <p:cNvPr id="5981" name="Google Shape;5981;p393"/>
-          <p:cNvSpPr txBox="1">
-            <a:spLocks noGrp="1"/>
-          </p:cNvSpPr>
-          <p:nvPr>
-            <p:ph type="title" idx="2"/>
-          </p:nvPr>
-        </p:nvSpPr>
-        <p:spPr>
-          <a:xfrm>
             <a:off x="365200" y="1390500"/>
             <a:ext cx="11686000" cy="3685600"/>
           </a:xfrm>
@@ -12321,7 +11189,7 @@
 </p:sld>
 </file>
 
-<file path=ppt/slides/slide26.xml><?xml version="1.0" encoding="utf-8"?>
+<file path=ppt/slides/slide25.xml><?xml version="1.0" encoding="utf-8"?>
 <p:sld xmlns:a="http://schemas.openxmlformats.org/drawingml/2006/main" xmlns:r="http://schemas.openxmlformats.org/officeDocument/2006/relationships" xmlns:p="http://schemas.openxmlformats.org/presentationml/2006/main">
   <p:cSld>
     <p:spTree>
@@ -12387,7 +11255,7 @@
 </p:sld>
 </file>
 
-<file path=ppt/slides/slide27.xml><?xml version="1.0" encoding="utf-8"?>
+<file path=ppt/slides/slide26.xml><?xml version="1.0" encoding="utf-8"?>
 <p:sld xmlns:a="http://schemas.openxmlformats.org/drawingml/2006/main" xmlns:r="http://schemas.openxmlformats.org/officeDocument/2006/relationships" xmlns:p="http://schemas.openxmlformats.org/presentationml/2006/main">
   <p:cSld>
     <p:spTree>
